--- a/PPT/第3章 框架结构.pptx
+++ b/PPT/第3章 框架结构.pptx
@@ -10,14 +10,16 @@
     <p:sldId id="259" r:id="rId4"/>
     <p:sldId id="269" r:id="rId5"/>
     <p:sldId id="260" r:id="rId6"/>
-    <p:sldId id="261" r:id="rId7"/>
-    <p:sldId id="266" r:id="rId8"/>
-    <p:sldId id="267" r:id="rId9"/>
-    <p:sldId id="268" r:id="rId10"/>
-    <p:sldId id="262" r:id="rId11"/>
-    <p:sldId id="263" r:id="rId12"/>
-    <p:sldId id="264" r:id="rId13"/>
-    <p:sldId id="257" r:id="rId14"/>
+    <p:sldId id="271" r:id="rId7"/>
+    <p:sldId id="270" r:id="rId8"/>
+    <p:sldId id="261" r:id="rId9"/>
+    <p:sldId id="266" r:id="rId10"/>
+    <p:sldId id="267" r:id="rId11"/>
+    <p:sldId id="268" r:id="rId12"/>
+    <p:sldId id="262" r:id="rId13"/>
+    <p:sldId id="263" r:id="rId14"/>
+    <p:sldId id="264" r:id="rId15"/>
+    <p:sldId id="257" r:id="rId16"/>
   </p:sldIdLst>
   <p:sldSz cx="12192000" cy="6858000"/>
   <p:notesSz cx="6858000" cy="9144000"/>
@@ -846,7 +848,7 @@
           <a:p>
             <a:fld id="{DF78909C-8605-4A92-809D-EF18B866E39A}" type="datetimeFigureOut">
               <a:rPr lang="zh-CN" altLang="en-US" smtClean="0"/>
-              <a:t>2016/7/9</a:t>
+              <a:t>2016/7/13</a:t>
             </a:fld>
             <a:endParaRPr lang="zh-CN" altLang="en-US"/>
           </a:p>
@@ -1097,7 +1099,7 @@
           <a:p>
             <a:fld id="{DF78909C-8605-4A92-809D-EF18B866E39A}" type="datetimeFigureOut">
               <a:rPr lang="zh-CN" altLang="en-US" smtClean="0"/>
-              <a:t>2016/7/9</a:t>
+              <a:t>2016/7/13</a:t>
             </a:fld>
             <a:endParaRPr lang="zh-CN" altLang="en-US"/>
           </a:p>
@@ -1411,7 +1413,7 @@
           <a:p>
             <a:fld id="{DF78909C-8605-4A92-809D-EF18B866E39A}" type="datetimeFigureOut">
               <a:rPr lang="zh-CN" altLang="en-US" smtClean="0"/>
-              <a:t>2016/7/9</a:t>
+              <a:t>2016/7/13</a:t>
             </a:fld>
             <a:endParaRPr lang="zh-CN" altLang="en-US"/>
           </a:p>
@@ -1752,7 +1754,7 @@
           <a:p>
             <a:fld id="{DF78909C-8605-4A92-809D-EF18B866E39A}" type="datetimeFigureOut">
               <a:rPr lang="zh-CN" altLang="en-US" smtClean="0"/>
-              <a:t>2016/7/9</a:t>
+              <a:t>2016/7/13</a:t>
             </a:fld>
             <a:endParaRPr lang="zh-CN" altLang="en-US"/>
           </a:p>
@@ -2066,7 +2068,7 @@
           <a:p>
             <a:fld id="{DF78909C-8605-4A92-809D-EF18B866E39A}" type="datetimeFigureOut">
               <a:rPr lang="zh-CN" altLang="en-US" smtClean="0"/>
-              <a:t>2016/7/9</a:t>
+              <a:t>2016/7/13</a:t>
             </a:fld>
             <a:endParaRPr lang="zh-CN" altLang="en-US"/>
           </a:p>
@@ -2459,7 +2461,7 @@
           <a:p>
             <a:fld id="{DF78909C-8605-4A92-809D-EF18B866E39A}" type="datetimeFigureOut">
               <a:rPr lang="zh-CN" altLang="en-US" smtClean="0"/>
-              <a:t>2016/7/9</a:t>
+              <a:t>2016/7/13</a:t>
             </a:fld>
             <a:endParaRPr lang="zh-CN" altLang="en-US"/>
           </a:p>
@@ -2629,7 +2631,7 @@
           <a:p>
             <a:fld id="{DF78909C-8605-4A92-809D-EF18B866E39A}" type="datetimeFigureOut">
               <a:rPr lang="zh-CN" altLang="en-US" smtClean="0"/>
-              <a:t>2016/7/9</a:t>
+              <a:t>2016/7/13</a:t>
             </a:fld>
             <a:endParaRPr lang="zh-CN" altLang="en-US"/>
           </a:p>
@@ -2809,7 +2811,7 @@
           <a:p>
             <a:fld id="{DF78909C-8605-4A92-809D-EF18B866E39A}" type="datetimeFigureOut">
               <a:rPr lang="zh-CN" altLang="en-US" smtClean="0"/>
-              <a:t>2016/7/9</a:t>
+              <a:t>2016/7/13</a:t>
             </a:fld>
             <a:endParaRPr lang="zh-CN" altLang="en-US"/>
           </a:p>
@@ -2985,7 +2987,7 @@
           <a:p>
             <a:fld id="{DF78909C-8605-4A92-809D-EF18B866E39A}" type="datetimeFigureOut">
               <a:rPr lang="zh-CN" altLang="en-US" smtClean="0"/>
-              <a:t>2016/7/9</a:t>
+              <a:t>2016/7/13</a:t>
             </a:fld>
             <a:endParaRPr lang="zh-CN" altLang="en-US"/>
           </a:p>
@@ -3232,7 +3234,7 @@
           <a:p>
             <a:fld id="{DF78909C-8605-4A92-809D-EF18B866E39A}" type="datetimeFigureOut">
               <a:rPr lang="zh-CN" altLang="en-US" smtClean="0"/>
-              <a:t>2016/7/9</a:t>
+              <a:t>2016/7/13</a:t>
             </a:fld>
             <a:endParaRPr lang="zh-CN" altLang="en-US"/>
           </a:p>
@@ -3464,7 +3466,7 @@
           <a:p>
             <a:fld id="{DF78909C-8605-4A92-809D-EF18B866E39A}" type="datetimeFigureOut">
               <a:rPr lang="zh-CN" altLang="en-US" smtClean="0"/>
-              <a:t>2016/7/9</a:t>
+              <a:t>2016/7/13</a:t>
             </a:fld>
             <a:endParaRPr lang="zh-CN" altLang="en-US"/>
           </a:p>
@@ -3838,7 +3840,7 @@
           <a:p>
             <a:fld id="{DF78909C-8605-4A92-809D-EF18B866E39A}" type="datetimeFigureOut">
               <a:rPr lang="zh-CN" altLang="en-US" smtClean="0"/>
-              <a:t>2016/7/9</a:t>
+              <a:t>2016/7/13</a:t>
             </a:fld>
             <a:endParaRPr lang="zh-CN" altLang="en-US"/>
           </a:p>
@@ -3961,7 +3963,7 @@
           <a:p>
             <a:fld id="{DF78909C-8605-4A92-809D-EF18B866E39A}" type="datetimeFigureOut">
               <a:rPr lang="zh-CN" altLang="en-US" smtClean="0"/>
-              <a:t>2016/7/9</a:t>
+              <a:t>2016/7/13</a:t>
             </a:fld>
             <a:endParaRPr lang="zh-CN" altLang="en-US"/>
           </a:p>
@@ -4056,7 +4058,7 @@
           <a:p>
             <a:fld id="{DF78909C-8605-4A92-809D-EF18B866E39A}" type="datetimeFigureOut">
               <a:rPr lang="zh-CN" altLang="en-US" smtClean="0"/>
-              <a:t>2016/7/9</a:t>
+              <a:t>2016/7/13</a:t>
             </a:fld>
             <a:endParaRPr lang="zh-CN" altLang="en-US"/>
           </a:p>
@@ -4311,7 +4313,7 @@
           <a:p>
             <a:fld id="{DF78909C-8605-4A92-809D-EF18B866E39A}" type="datetimeFigureOut">
               <a:rPr lang="zh-CN" altLang="en-US" smtClean="0"/>
-              <a:t>2016/7/9</a:t>
+              <a:t>2016/7/13</a:t>
             </a:fld>
             <a:endParaRPr lang="zh-CN" altLang="en-US"/>
           </a:p>
@@ -4574,7 +4576,7 @@
           <a:p>
             <a:fld id="{DF78909C-8605-4A92-809D-EF18B866E39A}" type="datetimeFigureOut">
               <a:rPr lang="zh-CN" altLang="en-US" smtClean="0"/>
-              <a:t>2016/7/9</a:t>
+              <a:t>2016/7/13</a:t>
             </a:fld>
             <a:endParaRPr lang="zh-CN" altLang="en-US"/>
           </a:p>
@@ -5317,7 +5319,7 @@
           <a:p>
             <a:fld id="{DF78909C-8605-4A92-809D-EF18B866E39A}" type="datetimeFigureOut">
               <a:rPr lang="zh-CN" altLang="en-US" smtClean="0"/>
-              <a:t>2016/7/9</a:t>
+              <a:t>2016/7/13</a:t>
             </a:fld>
             <a:endParaRPr lang="zh-CN" altLang="en-US"/>
           </a:p>
@@ -5935,6 +5937,828 @@
           <a:p>
             <a:r>
               <a:rPr lang="zh-CN" altLang="en-US" dirty="0" smtClean="0"/>
+              <a:t>命名</a:t>
+            </a:r>
+            <a:r>
+              <a:rPr lang="en-US" altLang="zh-CN" dirty="0" smtClean="0"/>
+              <a:t>:</a:t>
+            </a:r>
+            <a:endParaRPr lang="zh-CN" altLang="en-US" dirty="0"/>
+          </a:p>
+        </p:txBody>
+      </p:sp>
+      <p:sp>
+        <p:nvSpPr>
+          <p:cNvPr id="3" name="内容占位符 2"/>
+          <p:cNvSpPr>
+            <a:spLocks noGrp="1"/>
+          </p:cNvSpPr>
+          <p:nvPr>
+            <p:ph idx="1"/>
+          </p:nvPr>
+        </p:nvSpPr>
+        <p:spPr/>
+        <p:txBody>
+          <a:bodyPr/>
+          <a:lstStyle/>
+          <a:p>
+            <a:r>
+              <a:rPr lang="zh-CN" altLang="zh-CN" dirty="0"/>
+              <a:t>所有静态转换类都以</a:t>
+            </a:r>
+            <a:r>
+              <a:rPr lang="en-US" altLang="zh-CN" dirty="0"/>
+              <a:t>: Convert</a:t>
+            </a:r>
+            <a:r>
+              <a:rPr lang="zh-CN" altLang="zh-CN" dirty="0"/>
+              <a:t>结尾</a:t>
+            </a:r>
+            <a:r>
+              <a:rPr lang="en-US" altLang="zh-CN" dirty="0"/>
+              <a:t>,</a:t>
+            </a:r>
+            <a:r>
+              <a:rPr lang="zh-CN" altLang="zh-CN" dirty="0"/>
+              <a:t>使用</a:t>
+            </a:r>
+            <a:r>
+              <a:rPr lang="zh-CN" altLang="zh-CN" dirty="0" smtClean="0"/>
+              <a:t>静态</a:t>
+            </a:r>
+            <a:r>
+              <a:rPr lang="zh-CN" altLang="en-US" dirty="0" smtClean="0"/>
+              <a:t>函数</a:t>
+            </a:r>
+            <a:r>
+              <a:rPr lang="zh-CN" altLang="zh-CN" dirty="0" smtClean="0"/>
+              <a:t>的</a:t>
+            </a:r>
+            <a:r>
+              <a:rPr lang="zh-CN" altLang="zh-CN" dirty="0"/>
+              <a:t>方式对数据进行</a:t>
+            </a:r>
+            <a:r>
+              <a:rPr lang="zh-CN" altLang="zh-CN" dirty="0" smtClean="0"/>
+              <a:t>转换</a:t>
+            </a:r>
+            <a:endParaRPr lang="en-US" altLang="zh-CN" dirty="0" smtClean="0"/>
+          </a:p>
+          <a:p>
+            <a:pPr marL="0" indent="0">
+              <a:buNone/>
+            </a:pPr>
+            <a:r>
+              <a:rPr lang="en-US" altLang="zh-CN" dirty="0"/>
+              <a:t>	</a:t>
+            </a:r>
+            <a:r>
+              <a:rPr lang="en-US" altLang="zh-CN" dirty="0" err="1" smtClean="0"/>
+              <a:t>BitConvert</a:t>
+            </a:r>
+            <a:r>
+              <a:rPr lang="en-US" altLang="zh-CN" dirty="0" smtClean="0"/>
+              <a:t>,</a:t>
+            </a:r>
+            <a:r>
+              <a:rPr lang="en-US" altLang="zh-CN" dirty="0"/>
+              <a:t> </a:t>
+            </a:r>
+            <a:r>
+              <a:rPr lang="en-US" altLang="zh-CN" dirty="0" err="1" smtClean="0"/>
+              <a:t>ByteConvert</a:t>
+            </a:r>
+            <a:r>
+              <a:rPr lang="en-US" altLang="zh-CN" dirty="0" smtClean="0"/>
+              <a:t>,</a:t>
+            </a:r>
+            <a:r>
+              <a:rPr lang="en-US" altLang="zh-CN" dirty="0"/>
+              <a:t> </a:t>
+            </a:r>
+            <a:r>
+              <a:rPr lang="en-US" altLang="zh-CN" dirty="0" err="1" smtClean="0"/>
+              <a:t>StringConvert</a:t>
+            </a:r>
+            <a:r>
+              <a:rPr lang="en-US" altLang="zh-CN" dirty="0" smtClean="0"/>
+              <a:t>,</a:t>
+            </a:r>
+            <a:r>
+              <a:rPr lang="en-US" altLang="zh-CN" dirty="0"/>
+              <a:t> </a:t>
+            </a:r>
+            <a:r>
+              <a:rPr lang="en-US" altLang="zh-CN" dirty="0" err="1"/>
+              <a:t>IconvCharsetConvert</a:t>
+            </a:r>
+            <a:endParaRPr lang="en-US" altLang="zh-CN" dirty="0" smtClean="0"/>
+          </a:p>
+          <a:p>
+            <a:r>
+              <a:rPr lang="zh-CN" altLang="zh-CN" dirty="0"/>
+              <a:t>所有动态转换类都以</a:t>
+            </a:r>
+            <a:r>
+              <a:rPr lang="en-US" altLang="zh-CN" dirty="0"/>
+              <a:t>: Converter</a:t>
+            </a:r>
+            <a:r>
+              <a:rPr lang="zh-CN" altLang="zh-CN" dirty="0"/>
+              <a:t>结尾</a:t>
+            </a:r>
+            <a:r>
+              <a:rPr lang="en-US" altLang="zh-CN" dirty="0"/>
+              <a:t>,</a:t>
+            </a:r>
+            <a:r>
+              <a:rPr lang="zh-CN" altLang="zh-CN" dirty="0"/>
+              <a:t>需要使用相应实例的对象来完成转换</a:t>
+            </a:r>
+            <a:r>
+              <a:rPr lang="zh-CN" altLang="zh-CN" dirty="0" smtClean="0"/>
+              <a:t>操作</a:t>
+            </a:r>
+            <a:endParaRPr lang="en-US" altLang="zh-CN" dirty="0" smtClean="0"/>
+          </a:p>
+          <a:p>
+            <a:pPr marL="0" indent="0">
+              <a:buNone/>
+            </a:pPr>
+            <a:r>
+              <a:rPr lang="en-US" altLang="zh-CN" dirty="0"/>
+              <a:t>	</a:t>
+            </a:r>
+            <a:r>
+              <a:rPr lang="en-US" altLang="zh-CN" dirty="0" err="1" smtClean="0"/>
+              <a:t>CharConverter</a:t>
+            </a:r>
+            <a:r>
+              <a:rPr lang="en-US" altLang="zh-CN" dirty="0" smtClean="0"/>
+              <a:t>,</a:t>
+            </a:r>
+            <a:r>
+              <a:rPr lang="en-US" altLang="zh-CN" dirty="0"/>
+              <a:t> </a:t>
+            </a:r>
+            <a:r>
+              <a:rPr lang="en-US" altLang="zh-CN" dirty="0" err="1"/>
+              <a:t>JniConverter</a:t>
+            </a:r>
+            <a:endParaRPr lang="zh-CN" altLang="zh-CN" dirty="0"/>
+          </a:p>
+          <a:p>
+            <a:r>
+              <a:rPr lang="zh-CN" altLang="zh-CN" dirty="0"/>
+              <a:t>所有接口的抽象类声明都以</a:t>
+            </a:r>
+            <a:r>
+              <a:rPr lang="en-US" altLang="zh-CN" dirty="0"/>
+              <a:t>: I </a:t>
+            </a:r>
+            <a:r>
+              <a:rPr lang="zh-CN" altLang="zh-CN" dirty="0" smtClean="0"/>
+              <a:t>开头</a:t>
+            </a:r>
+            <a:endParaRPr lang="en-US" altLang="zh-CN" dirty="0" smtClean="0"/>
+          </a:p>
+          <a:p>
+            <a:pPr marL="0" indent="0">
+              <a:buNone/>
+            </a:pPr>
+            <a:r>
+              <a:rPr lang="en-US" altLang="zh-CN" dirty="0"/>
+              <a:t>	</a:t>
+            </a:r>
+            <a:r>
+              <a:rPr lang="en-US" altLang="zh-CN" dirty="0" err="1" smtClean="0"/>
+              <a:t>Iinterrupter</a:t>
+            </a:r>
+            <a:r>
+              <a:rPr lang="en-US" altLang="zh-CN" dirty="0" smtClean="0"/>
+              <a:t>,</a:t>
+            </a:r>
+            <a:r>
+              <a:rPr lang="en-US" altLang="zh-CN" dirty="0"/>
+              <a:t> </a:t>
+            </a:r>
+            <a:r>
+              <a:rPr lang="en-US" altLang="zh-CN" dirty="0" err="1" smtClean="0"/>
+              <a:t>IBaseDevice</a:t>
+            </a:r>
+            <a:r>
+              <a:rPr lang="en-US" altLang="zh-CN" dirty="0" smtClean="0"/>
+              <a:t>,</a:t>
+            </a:r>
+            <a:r>
+              <a:rPr lang="en-US" altLang="zh-CN" dirty="0"/>
+              <a:t> </a:t>
+            </a:r>
+            <a:r>
+              <a:rPr lang="en-US" altLang="zh-CN" dirty="0" err="1"/>
+              <a:t>IInteractiveTrans</a:t>
+            </a:r>
+            <a:endParaRPr lang="en-US" altLang="zh-CN" dirty="0" smtClean="0"/>
+          </a:p>
+          <a:p>
+            <a:r>
+              <a:rPr lang="zh-CN" altLang="zh-CN" dirty="0"/>
+              <a:t>所有行为的抽象类声明都以</a:t>
+            </a:r>
+            <a:r>
+              <a:rPr lang="en-US" altLang="zh-CN" dirty="0"/>
+              <a:t>: I</a:t>
+            </a:r>
+            <a:r>
+              <a:rPr lang="zh-CN" altLang="zh-CN" dirty="0"/>
+              <a:t>开头</a:t>
+            </a:r>
+            <a:r>
+              <a:rPr lang="en-US" altLang="zh-CN" dirty="0"/>
+              <a:t>,</a:t>
+            </a:r>
+            <a:r>
+              <a:rPr lang="zh-CN" altLang="zh-CN" dirty="0"/>
+              <a:t>以</a:t>
+            </a:r>
+            <a:r>
+              <a:rPr lang="en-US" altLang="zh-CN" dirty="0"/>
+              <a:t>Behavior</a:t>
+            </a:r>
+            <a:r>
+              <a:rPr lang="zh-CN" altLang="zh-CN" dirty="0"/>
+              <a:t>结尾</a:t>
+            </a:r>
+            <a:r>
+              <a:rPr lang="en-US" altLang="zh-CN" dirty="0"/>
+              <a:t>, </a:t>
+            </a:r>
+            <a:r>
+              <a:rPr lang="zh-CN" altLang="zh-CN" dirty="0"/>
+              <a:t>名称和行为接口完全一致</a:t>
+            </a:r>
+            <a:r>
+              <a:rPr lang="en-US" altLang="zh-CN" dirty="0"/>
+              <a:t>,</a:t>
+            </a:r>
+            <a:r>
+              <a:rPr lang="zh-CN" altLang="zh-CN" dirty="0"/>
+              <a:t>但是不以</a:t>
+            </a:r>
+            <a:r>
+              <a:rPr lang="en-US" altLang="zh-CN" dirty="0"/>
+              <a:t>I</a:t>
+            </a:r>
+            <a:r>
+              <a:rPr lang="zh-CN" altLang="zh-CN" dirty="0"/>
+              <a:t>开头的表示该行为接口的默认实现</a:t>
+            </a:r>
+            <a:r>
+              <a:rPr lang="zh-CN" altLang="zh-CN" dirty="0" smtClean="0"/>
+              <a:t>类</a:t>
+            </a:r>
+            <a:endParaRPr lang="en-US" altLang="zh-CN" dirty="0" smtClean="0"/>
+          </a:p>
+          <a:p>
+            <a:pPr marL="0" indent="0">
+              <a:buNone/>
+            </a:pPr>
+            <a:r>
+              <a:rPr lang="en-US" altLang="zh-CN" dirty="0"/>
+              <a:t>	</a:t>
+            </a:r>
+            <a:r>
+              <a:rPr lang="en-US" altLang="zh-CN" dirty="0" err="1"/>
+              <a:t>ITimeoutBehavior</a:t>
+            </a:r>
+            <a:r>
+              <a:rPr lang="en-US" altLang="zh-CN" dirty="0"/>
+              <a:t> =&gt; </a:t>
+            </a:r>
+            <a:r>
+              <a:rPr lang="en-US" altLang="zh-CN" dirty="0" err="1"/>
+              <a:t>TimeoutBehavior</a:t>
+            </a:r>
+            <a:endParaRPr lang="zh-CN" altLang="zh-CN" dirty="0"/>
+          </a:p>
+          <a:p>
+            <a:pPr marL="0" indent="0">
+              <a:buNone/>
+            </a:pPr>
+            <a:r>
+              <a:rPr lang="en-US" altLang="zh-CN" dirty="0" smtClean="0"/>
+              <a:t>	</a:t>
+            </a:r>
+            <a:r>
+              <a:rPr lang="en-US" altLang="zh-CN" dirty="0" err="1"/>
+              <a:t>ILastErrBehavior</a:t>
+            </a:r>
+            <a:r>
+              <a:rPr lang="en-US" altLang="zh-CN" dirty="0"/>
+              <a:t> =&gt; </a:t>
+            </a:r>
+            <a:r>
+              <a:rPr lang="en-US" altLang="zh-CN" dirty="0" err="1" smtClean="0"/>
+              <a:t>LastErrBehavior</a:t>
+            </a:r>
+            <a:endParaRPr lang="zh-CN" altLang="zh-CN" dirty="0"/>
+          </a:p>
+        </p:txBody>
+      </p:sp>
+    </p:spTree>
+    <p:extLst>
+      <p:ext uri="{BB962C8B-B14F-4D97-AF65-F5344CB8AC3E}">
+        <p14:creationId xmlns:p14="http://schemas.microsoft.com/office/powerpoint/2010/main" val="1558315592"/>
+      </p:ext>
+    </p:extLst>
+  </p:cSld>
+  <p:clrMapOvr>
+    <a:masterClrMapping/>
+  </p:clrMapOvr>
+</p:sld>
+</file>
+
+<file path=ppt/slides/slide11.xml><?xml version="1.0" encoding="utf-8"?>
+<p:sld xmlns:a="http://schemas.openxmlformats.org/drawingml/2006/main" xmlns:r="http://schemas.openxmlformats.org/officeDocument/2006/relationships" xmlns:p="http://schemas.openxmlformats.org/presentationml/2006/main">
+  <p:cSld>
+    <p:spTree>
+      <p:nvGrpSpPr>
+        <p:cNvPr id="1" name=""/>
+        <p:cNvGrpSpPr/>
+        <p:nvPr/>
+      </p:nvGrpSpPr>
+      <p:grpSpPr>
+        <a:xfrm>
+          <a:off x="0" y="0"/>
+          <a:ext cx="0" cy="0"/>
+          <a:chOff x="0" y="0"/>
+          <a:chExt cx="0" cy="0"/>
+        </a:xfrm>
+      </p:grpSpPr>
+      <p:sp>
+        <p:nvSpPr>
+          <p:cNvPr id="2" name="标题 1"/>
+          <p:cNvSpPr>
+            <a:spLocks noGrp="1"/>
+          </p:cNvSpPr>
+          <p:nvPr>
+            <p:ph type="title"/>
+          </p:nvPr>
+        </p:nvSpPr>
+        <p:spPr/>
+        <p:txBody>
+          <a:bodyPr/>
+          <a:lstStyle/>
+          <a:p>
+            <a:r>
+              <a:rPr lang="zh-CN" altLang="en-US" dirty="0" smtClean="0"/>
+              <a:t>命名</a:t>
+            </a:r>
+            <a:r>
+              <a:rPr lang="en-US" altLang="zh-CN" dirty="0" smtClean="0"/>
+              <a:t>:</a:t>
+            </a:r>
+            <a:endParaRPr lang="zh-CN" altLang="en-US" dirty="0"/>
+          </a:p>
+        </p:txBody>
+      </p:sp>
+      <p:sp>
+        <p:nvSpPr>
+          <p:cNvPr id="3" name="内容占位符 2"/>
+          <p:cNvSpPr>
+            <a:spLocks noGrp="1"/>
+          </p:cNvSpPr>
+          <p:nvPr>
+            <p:ph idx="1"/>
+          </p:nvPr>
+        </p:nvSpPr>
+        <p:spPr>
+          <a:xfrm>
+            <a:off x="677334" y="1454331"/>
+            <a:ext cx="8596668" cy="4743785"/>
+          </a:xfrm>
+        </p:spPr>
+        <p:txBody>
+          <a:bodyPr>
+            <a:normAutofit fontScale="92500" lnSpcReduction="20000"/>
+          </a:bodyPr>
+          <a:lstStyle/>
+          <a:p>
+            <a:r>
+              <a:rPr lang="zh-CN" altLang="zh-CN" dirty="0"/>
+              <a:t>所有基本的底层设备类都以</a:t>
+            </a:r>
+            <a:r>
+              <a:rPr lang="en-US" altLang="zh-CN" dirty="0"/>
+              <a:t>: Device </a:t>
+            </a:r>
+            <a:r>
+              <a:rPr lang="zh-CN" altLang="zh-CN" dirty="0" smtClean="0"/>
+              <a:t>结尾</a:t>
+            </a:r>
+            <a:endParaRPr lang="en-US" altLang="zh-CN" dirty="0" smtClean="0"/>
+          </a:p>
+          <a:p>
+            <a:pPr marL="0" indent="0">
+              <a:buNone/>
+            </a:pPr>
+            <a:r>
+              <a:rPr lang="en-US" altLang="zh-CN" dirty="0"/>
+              <a:t>	</a:t>
+            </a:r>
+            <a:r>
+              <a:rPr lang="en-US" altLang="zh-CN" dirty="0" err="1"/>
+              <a:t>CCID_Device</a:t>
+            </a:r>
+            <a:r>
+              <a:rPr lang="en-US" altLang="zh-CN" dirty="0"/>
+              <a:t>, </a:t>
+            </a:r>
+            <a:r>
+              <a:rPr lang="en-US" altLang="zh-CN" dirty="0" err="1"/>
+              <a:t>ComDevice</a:t>
+            </a:r>
+            <a:r>
+              <a:rPr lang="en-US" altLang="zh-CN" dirty="0"/>
+              <a:t>, </a:t>
+            </a:r>
+            <a:r>
+              <a:rPr lang="en-US" altLang="zh-CN" dirty="0" err="1"/>
+              <a:t>FileDevice,BluetoothDevice</a:t>
+            </a:r>
+            <a:endParaRPr lang="zh-CN" altLang="zh-CN" dirty="0"/>
+          </a:p>
+          <a:p>
+            <a:r>
+              <a:rPr lang="zh-CN" altLang="zh-CN" dirty="0"/>
+              <a:t>所有设备层适配器</a:t>
+            </a:r>
+            <a:r>
+              <a:rPr lang="en-US" altLang="zh-CN" dirty="0"/>
+              <a:t>(</a:t>
+            </a:r>
+            <a:r>
+              <a:rPr lang="zh-CN" altLang="zh-CN" dirty="0"/>
+              <a:t>适配后对外仍然是一个设备</a:t>
+            </a:r>
+            <a:r>
+              <a:rPr lang="en-US" altLang="zh-CN" dirty="0"/>
+              <a:t>)</a:t>
+            </a:r>
+            <a:r>
+              <a:rPr lang="zh-CN" altLang="zh-CN" dirty="0"/>
+              <a:t>都以</a:t>
+            </a:r>
+            <a:r>
+              <a:rPr lang="en-US" altLang="zh-CN" dirty="0"/>
+              <a:t>: </a:t>
+            </a:r>
+            <a:r>
+              <a:rPr lang="en-US" altLang="zh-CN" dirty="0" err="1"/>
+              <a:t>DevAdapter</a:t>
+            </a:r>
+            <a:r>
+              <a:rPr lang="en-US" altLang="zh-CN" dirty="0"/>
+              <a:t> </a:t>
+            </a:r>
+            <a:r>
+              <a:rPr lang="zh-CN" altLang="zh-CN" dirty="0" smtClean="0"/>
+              <a:t>结尾</a:t>
+            </a:r>
+            <a:endParaRPr lang="en-US" altLang="zh-CN" dirty="0" smtClean="0"/>
+          </a:p>
+          <a:p>
+            <a:pPr marL="0" indent="0">
+              <a:buNone/>
+            </a:pPr>
+            <a:r>
+              <a:rPr lang="en-US" altLang="zh-CN" dirty="0"/>
+              <a:t>	</a:t>
+            </a:r>
+            <a:r>
+              <a:rPr lang="en-US" altLang="zh-CN" dirty="0" err="1"/>
+              <a:t>MagneticDevAdapter</a:t>
+            </a:r>
+            <a:r>
+              <a:rPr lang="en-US" altLang="zh-CN" dirty="0"/>
+              <a:t>, </a:t>
+            </a:r>
+            <a:r>
+              <a:rPr lang="en-US" altLang="zh-CN" dirty="0" err="1" smtClean="0"/>
+              <a:t>SdtApiDevAdapter</a:t>
+            </a:r>
+            <a:r>
+              <a:rPr lang="en-US" altLang="zh-CN" dirty="0" smtClean="0"/>
+              <a:t>, 	</a:t>
+            </a:r>
+            <a:r>
+              <a:rPr lang="en-US" altLang="zh-CN" dirty="0" err="1" smtClean="0"/>
+              <a:t>CCID_ContactStorageCardDevAdapter</a:t>
+            </a:r>
+            <a:endParaRPr lang="zh-CN" altLang="zh-CN" dirty="0"/>
+          </a:p>
+          <a:p>
+            <a:r>
+              <a:rPr lang="zh-CN" altLang="zh-CN" dirty="0"/>
+              <a:t>所有应用层适配都以</a:t>
+            </a:r>
+            <a:r>
+              <a:rPr lang="en-US" altLang="zh-CN" dirty="0"/>
+              <a:t>: </a:t>
+            </a:r>
+            <a:r>
+              <a:rPr lang="en-US" altLang="zh-CN" dirty="0" err="1"/>
+              <a:t>AppAdapter</a:t>
+            </a:r>
+            <a:r>
+              <a:rPr lang="zh-CN" altLang="zh-CN" dirty="0" smtClean="0"/>
+              <a:t>结尾</a:t>
+            </a:r>
+            <a:endParaRPr lang="en-US" altLang="zh-CN" dirty="0" smtClean="0"/>
+          </a:p>
+          <a:p>
+            <a:pPr marL="0" indent="0">
+              <a:buNone/>
+            </a:pPr>
+            <a:r>
+              <a:rPr lang="en-US" altLang="zh-CN" dirty="0"/>
+              <a:t>	</a:t>
+            </a:r>
+            <a:r>
+              <a:rPr lang="zh-CN" altLang="zh-CN" dirty="0"/>
+              <a:t> </a:t>
+            </a:r>
+            <a:r>
+              <a:rPr lang="en-US" altLang="zh-CN" dirty="0" err="1"/>
+              <a:t>ICCardAppAdapter</a:t>
+            </a:r>
+            <a:r>
+              <a:rPr lang="en-US" altLang="zh-CN" dirty="0"/>
+              <a:t>, </a:t>
+            </a:r>
+            <a:r>
+              <a:rPr lang="en-US" altLang="zh-CN" dirty="0" smtClean="0"/>
+              <a:t>PBOC_v2_0_AppAdapter</a:t>
+            </a:r>
+            <a:endParaRPr lang="zh-CN" altLang="zh-CN" dirty="0"/>
+          </a:p>
+          <a:p>
+            <a:r>
+              <a:rPr lang="zh-CN" altLang="zh-CN" dirty="0"/>
+              <a:t>所有对原有类进行扩展的类都以</a:t>
+            </a:r>
+            <a:r>
+              <a:rPr lang="en-US" altLang="zh-CN" dirty="0"/>
+              <a:t>: </a:t>
+            </a:r>
+            <a:r>
+              <a:rPr lang="en-US" altLang="zh-CN" dirty="0" err="1"/>
+              <a:t>Appender</a:t>
+            </a:r>
+            <a:r>
+              <a:rPr lang="zh-CN" altLang="zh-CN" dirty="0"/>
+              <a:t>结尾</a:t>
+            </a:r>
+          </a:p>
+          <a:p>
+            <a:pPr marL="0" indent="0">
+              <a:buNone/>
+            </a:pPr>
+            <a:r>
+              <a:rPr lang="en-US" altLang="zh-CN" dirty="0" smtClean="0"/>
+              <a:t>	</a:t>
+            </a:r>
+            <a:r>
+              <a:rPr lang="en-US" altLang="zh-CN" dirty="0" err="1" smtClean="0"/>
+              <a:t>ComHandlerAppender</a:t>
+            </a:r>
+            <a:r>
+              <a:rPr lang="en-US" altLang="zh-CN" dirty="0"/>
+              <a:t>, </a:t>
+            </a:r>
+            <a:r>
+              <a:rPr lang="en-US" altLang="zh-CN" dirty="0" err="1" smtClean="0"/>
+              <a:t>HidHandlerAppender</a:t>
+            </a:r>
+            <a:endParaRPr lang="en-US" altLang="zh-CN" dirty="0" smtClean="0"/>
+          </a:p>
+          <a:p>
+            <a:r>
+              <a:rPr lang="zh-CN" altLang="zh-CN" dirty="0"/>
+              <a:t>所有指令协议封装的适配器都以</a:t>
+            </a:r>
+            <a:r>
+              <a:rPr lang="en-US" altLang="zh-CN" dirty="0"/>
+              <a:t>: </a:t>
+            </a:r>
+            <a:r>
+              <a:rPr lang="en-US" altLang="zh-CN" dirty="0" err="1"/>
+              <a:t>CmdAdapter</a:t>
+            </a:r>
+            <a:r>
+              <a:rPr lang="zh-CN" altLang="zh-CN" dirty="0"/>
+              <a:t>结尾</a:t>
+            </a:r>
+            <a:endParaRPr lang="en-US" altLang="zh-CN" dirty="0"/>
+          </a:p>
+          <a:p>
+            <a:pPr marL="0" indent="0">
+              <a:buNone/>
+            </a:pPr>
+            <a:r>
+              <a:rPr lang="en-US" altLang="zh-CN" dirty="0"/>
+              <a:t>	</a:t>
+            </a:r>
+            <a:r>
+              <a:rPr lang="en-US" altLang="zh-CN" dirty="0" err="1"/>
+              <a:t>ComICCardCmdAdapter</a:t>
+            </a:r>
+            <a:r>
+              <a:rPr lang="en-US" altLang="zh-CN" dirty="0"/>
+              <a:t>, </a:t>
+            </a:r>
+            <a:r>
+              <a:rPr lang="en-US" altLang="zh-CN" dirty="0" err="1"/>
+              <a:t>HidCmdAdapter</a:t>
+            </a:r>
+            <a:r>
+              <a:rPr lang="en-US" altLang="zh-CN" dirty="0"/>
+              <a:t>, </a:t>
+            </a:r>
+            <a:r>
+              <a:rPr lang="en-US" altLang="zh-CN" dirty="0" err="1"/>
+              <a:t>PinDevCmdAdapter</a:t>
+            </a:r>
+            <a:endParaRPr lang="en-US" altLang="zh-CN" dirty="0"/>
+          </a:p>
+          <a:p>
+            <a:r>
+              <a:rPr lang="zh-CN" altLang="zh-CN" dirty="0"/>
+              <a:t>所有操作辅助类</a:t>
+            </a:r>
+            <a:r>
+              <a:rPr lang="en-US" altLang="zh-CN" dirty="0"/>
+              <a:t>(</a:t>
+            </a:r>
+            <a:r>
+              <a:rPr lang="zh-CN" altLang="zh-CN" dirty="0"/>
+              <a:t>调用原有类的方法进行封装</a:t>
+            </a:r>
+            <a:r>
+              <a:rPr lang="en-US" altLang="zh-CN" dirty="0"/>
+              <a:t>)</a:t>
+            </a:r>
+            <a:r>
+              <a:rPr lang="zh-CN" altLang="zh-CN" dirty="0"/>
+              <a:t>都为静态类</a:t>
+            </a:r>
+            <a:r>
+              <a:rPr lang="en-US" altLang="zh-CN" dirty="0"/>
+              <a:t>,</a:t>
+            </a:r>
+            <a:r>
+              <a:rPr lang="zh-CN" altLang="zh-CN" dirty="0"/>
+              <a:t>都以</a:t>
+            </a:r>
+            <a:r>
+              <a:rPr lang="en-US" altLang="zh-CN" dirty="0"/>
+              <a:t>: Helper</a:t>
+            </a:r>
+            <a:r>
+              <a:rPr lang="zh-CN" altLang="zh-CN" dirty="0" smtClean="0"/>
+              <a:t>结尾</a:t>
+            </a:r>
+            <a:endParaRPr lang="en-US" altLang="zh-CN" dirty="0" smtClean="0"/>
+          </a:p>
+          <a:p>
+            <a:pPr marL="0" indent="0">
+              <a:buNone/>
+            </a:pPr>
+            <a:r>
+              <a:rPr lang="en-US" altLang="zh-CN" dirty="0"/>
+              <a:t>	</a:t>
+            </a:r>
+            <a:r>
+              <a:rPr lang="zh-CN" altLang="zh-CN" dirty="0"/>
+              <a:t> </a:t>
+            </a:r>
+            <a:r>
+              <a:rPr lang="en-US" altLang="zh-CN" dirty="0" err="1" smtClean="0"/>
+              <a:t>DevHelper</a:t>
+            </a:r>
+            <a:r>
+              <a:rPr lang="en-US" altLang="zh-CN" dirty="0" smtClean="0"/>
+              <a:t>, </a:t>
+            </a:r>
+            <a:r>
+              <a:rPr lang="en-US" altLang="zh-CN" dirty="0" err="1"/>
+              <a:t>WinHelper</a:t>
+            </a:r>
+            <a:r>
+              <a:rPr lang="en-US" altLang="zh-CN" dirty="0"/>
+              <a:t>, </a:t>
+            </a:r>
+            <a:r>
+              <a:rPr lang="en-US" altLang="zh-CN" dirty="0" err="1" smtClean="0"/>
+              <a:t>WinTestHelper,WmiHelper</a:t>
+            </a:r>
+            <a:endParaRPr lang="zh-CN" altLang="zh-CN" dirty="0"/>
+          </a:p>
+          <a:p>
+            <a:r>
+              <a:rPr lang="zh-CN" altLang="zh-CN" dirty="0"/>
+              <a:t>所有数据加解密类都以</a:t>
+            </a:r>
+            <a:r>
+              <a:rPr lang="en-US" altLang="zh-CN" dirty="0"/>
+              <a:t>: Provider</a:t>
+            </a:r>
+            <a:r>
+              <a:rPr lang="zh-CN" altLang="zh-CN" dirty="0"/>
+              <a:t>结尾</a:t>
+            </a:r>
+          </a:p>
+          <a:p>
+            <a:pPr marL="0" indent="0">
+              <a:buNone/>
+            </a:pPr>
+            <a:r>
+              <a:rPr lang="en-US" altLang="zh-CN" dirty="0" smtClean="0"/>
+              <a:t>	</a:t>
+            </a:r>
+            <a:r>
+              <a:rPr lang="en-US" altLang="zh-CN" dirty="0"/>
+              <a:t>MD5_Provider, </a:t>
+            </a:r>
+            <a:r>
+              <a:rPr lang="en-US" altLang="zh-CN" dirty="0" err="1"/>
+              <a:t>DES_Provider</a:t>
+            </a:r>
+            <a:r>
+              <a:rPr lang="en-US" altLang="zh-CN" dirty="0"/>
+              <a:t>, </a:t>
+            </a:r>
+            <a:r>
+              <a:rPr lang="en-US" altLang="zh-CN" dirty="0" err="1"/>
+              <a:t>PBOC_Provider</a:t>
+            </a:r>
+            <a:endParaRPr lang="en-US" altLang="zh-CN" dirty="0" smtClean="0"/>
+          </a:p>
+          <a:p>
+            <a:pPr marL="0" indent="0">
+              <a:buNone/>
+            </a:pPr>
+            <a:endParaRPr lang="zh-CN" altLang="en-US" dirty="0"/>
+          </a:p>
+        </p:txBody>
+      </p:sp>
+    </p:spTree>
+    <p:extLst>
+      <p:ext uri="{BB962C8B-B14F-4D97-AF65-F5344CB8AC3E}">
+        <p14:creationId xmlns:p14="http://schemas.microsoft.com/office/powerpoint/2010/main" val="2953706118"/>
+      </p:ext>
+    </p:extLst>
+  </p:cSld>
+  <p:clrMapOvr>
+    <a:masterClrMapping/>
+  </p:clrMapOvr>
+</p:sld>
+</file>
+
+<file path=ppt/slides/slide12.xml><?xml version="1.0" encoding="utf-8"?>
+<p:sld xmlns:a="http://schemas.openxmlformats.org/drawingml/2006/main" xmlns:r="http://schemas.openxmlformats.org/officeDocument/2006/relationships" xmlns:p="http://schemas.openxmlformats.org/presentationml/2006/main">
+  <p:cSld>
+    <p:spTree>
+      <p:nvGrpSpPr>
+        <p:cNvPr id="1" name=""/>
+        <p:cNvGrpSpPr/>
+        <p:nvPr/>
+      </p:nvGrpSpPr>
+      <p:grpSpPr>
+        <a:xfrm>
+          <a:off x="0" y="0"/>
+          <a:ext cx="0" cy="0"/>
+          <a:chOff x="0" y="0"/>
+          <a:chExt cx="0" cy="0"/>
+        </a:xfrm>
+      </p:grpSpPr>
+      <p:sp>
+        <p:nvSpPr>
+          <p:cNvPr id="2" name="标题 1"/>
+          <p:cNvSpPr>
+            <a:spLocks noGrp="1"/>
+          </p:cNvSpPr>
+          <p:nvPr>
+            <p:ph type="title"/>
+          </p:nvPr>
+        </p:nvSpPr>
+        <p:spPr/>
+        <p:txBody>
+          <a:bodyPr/>
+          <a:lstStyle/>
+          <a:p>
+            <a:r>
+              <a:rPr lang="zh-CN" altLang="en-US" dirty="0" smtClean="0"/>
               <a:t>平台环境</a:t>
             </a:r>
             <a:r>
@@ -6127,7 +6951,7 @@
 </p:sld>
 </file>
 
-<file path=ppt/slides/slide11.xml><?xml version="1.0" encoding="utf-8"?>
+<file path=ppt/slides/slide13.xml><?xml version="1.0" encoding="utf-8"?>
 <p:sld xmlns:a="http://schemas.openxmlformats.org/drawingml/2006/main" xmlns:r="http://schemas.openxmlformats.org/officeDocument/2006/relationships" xmlns:p="http://schemas.openxmlformats.org/presentationml/2006/main">
   <p:cSld>
     <p:spTree>
@@ -6671,7 +7495,7 @@
 </p:sld>
 </file>
 
-<file path=ppt/slides/slide12.xml><?xml version="1.0" encoding="utf-8"?>
+<file path=ppt/slides/slide14.xml><?xml version="1.0" encoding="utf-8"?>
 <p:sld xmlns:a="http://schemas.openxmlformats.org/drawingml/2006/main" xmlns:r="http://schemas.openxmlformats.org/officeDocument/2006/relationships" xmlns:p="http://schemas.openxmlformats.org/presentationml/2006/main">
   <p:cSld>
     <p:spTree>
@@ -6827,11 +7651,7 @@
           <a:p>
             <a:r>
               <a:rPr lang="zh-CN" altLang="en-US" dirty="0" smtClean="0"/>
-              <a:t>如果</a:t>
-            </a:r>
-            <a:r>
-              <a:rPr lang="zh-CN" altLang="en-US" dirty="0" smtClean="0"/>
-              <a:t>不需要使用二代证的功能</a:t>
+              <a:t>如果不需要使用二代证的功能</a:t>
             </a:r>
             <a:r>
               <a:rPr lang="en-US" altLang="zh-CN" dirty="0" smtClean="0"/>
@@ -7023,11 +7843,7 @@
           <a:p>
             <a:r>
               <a:rPr lang="zh-CN" altLang="en-US" dirty="0" smtClean="0"/>
-              <a:t>如果</a:t>
-            </a:r>
-            <a:r>
-              <a:rPr lang="zh-CN" altLang="en-US" dirty="0" smtClean="0"/>
-              <a:t>不需要使用密码键盘相关功能</a:t>
+              <a:t>如果不需要使用密码键盘相关功能</a:t>
             </a:r>
             <a:r>
               <a:rPr lang="en-US" altLang="zh-CN" dirty="0" smtClean="0"/>
@@ -7083,7 +7899,7 @@
 </p:sld>
 </file>
 
-<file path=ppt/slides/slide13.xml><?xml version="1.0" encoding="utf-8"?>
+<file path=ppt/slides/slide15.xml><?xml version="1.0" encoding="utf-8"?>
 <p:sld xmlns:a="http://schemas.openxmlformats.org/drawingml/2006/main" xmlns:r="http://schemas.openxmlformats.org/officeDocument/2006/relationships" xmlns:p="http://schemas.openxmlformats.org/presentationml/2006/main">
   <p:cSld>
     <p:spTree>
@@ -7703,11 +8519,7 @@
             </a:r>
             <a:r>
               <a:rPr lang="zh-CN" altLang="en-US" dirty="0" smtClean="0"/>
-              <a:t>软件将</a:t>
-            </a:r>
-            <a:r>
-              <a:rPr lang="zh-CN" altLang="en-US" dirty="0" smtClean="0"/>
-              <a:t>硬件虚拟为一个服务提供给外部使用</a:t>
+              <a:t>软件将硬件虚拟为一个服务提供给外部使用</a:t>
             </a:r>
             <a:r>
               <a:rPr lang="en-US" altLang="zh-CN" dirty="0" smtClean="0"/>
@@ -7715,11 +8527,7 @@
             </a:r>
             <a:r>
               <a:rPr lang="zh-CN" altLang="en-US" dirty="0" smtClean="0"/>
-              <a:t>只需要关心</a:t>
-            </a:r>
-            <a:r>
-              <a:rPr lang="zh-CN" altLang="en-US" dirty="0" smtClean="0"/>
-              <a:t>和硬件的交互和数据</a:t>
+              <a:t>只需要关心和硬件的交互和数据</a:t>
             </a:r>
             <a:endParaRPr lang="en-US" altLang="zh-CN" dirty="0" smtClean="0"/>
           </a:p>
@@ -7783,7 +8591,6 @@
               <a:rPr lang="en-US" altLang="zh-CN" dirty="0" smtClean="0"/>
               <a:t>.</a:t>
             </a:r>
-            <a:endParaRPr lang="en-US" altLang="zh-CN" dirty="0" smtClean="0"/>
           </a:p>
         </p:txBody>
       </p:sp>
@@ -9582,7 +10389,7 @@
           <a:p>
             <a:r>
               <a:rPr lang="zh-CN" altLang="en-US" dirty="0" smtClean="0"/>
-              <a:t>按照接口来编程</a:t>
+              <a:t>结构</a:t>
             </a:r>
             <a:r>
               <a:rPr lang="en-US" altLang="zh-CN" dirty="0" smtClean="0"/>
@@ -9602,21 +10409,18 @@
             <p:ph idx="1"/>
           </p:nvPr>
         </p:nvSpPr>
-        <p:spPr>
-          <a:xfrm>
-            <a:off x="677334" y="1558835"/>
-            <a:ext cx="8596668" cy="4482528"/>
-          </a:xfrm>
-        </p:spPr>
-        <p:txBody>
-          <a:bodyPr>
-            <a:normAutofit/>
-          </a:bodyPr>
+        <p:spPr/>
+        <p:txBody>
+          <a:bodyPr/>
           <a:lstStyle/>
           <a:p>
             <a:r>
-              <a:rPr lang="zh-CN" altLang="en-US" dirty="0" smtClean="0"/>
-              <a:t>应用依赖于接口而不依赖名称</a:t>
+              <a:rPr lang="en-US" altLang="zh-CN" dirty="0" smtClean="0"/>
+              <a:t>1.</a:t>
+            </a:r>
+            <a:r>
+              <a:rPr lang="zh-CN" altLang="en-US" dirty="0" smtClean="0"/>
+              <a:t>层次结构</a:t>
             </a:r>
             <a:endParaRPr lang="en-US" altLang="zh-CN" dirty="0" smtClean="0"/>
           </a:p>
@@ -9630,7 +10434,7 @@
             </a:r>
             <a:r>
               <a:rPr lang="zh-CN" altLang="en-US" dirty="0" smtClean="0"/>
-              <a:t>应用相当于顶层的一个适配器</a:t>
+              <a:t>驱动从硬件到应用可分为多层的结构</a:t>
             </a:r>
             <a:r>
               <a:rPr lang="en-US" altLang="zh-CN" dirty="0" smtClean="0"/>
@@ -9638,12 +10442,20 @@
             </a:r>
             <a:r>
               <a:rPr lang="zh-CN" altLang="en-US" dirty="0" smtClean="0"/>
-              <a:t>实现适配器的接口</a:t>
-            </a:r>
-            <a:r>
-              <a:rPr lang="en-US" altLang="zh-CN" dirty="0" smtClean="0"/>
-              <a:t>:</a:t>
-            </a:r>
+              <a:t>可以根据不同层次来进行灵活的组合</a:t>
+            </a:r>
+            <a:endParaRPr lang="en-US" altLang="zh-CN" dirty="0" smtClean="0"/>
+          </a:p>
+          <a:p>
+            <a:r>
+              <a:rPr lang="en-US" altLang="zh-CN" dirty="0" smtClean="0"/>
+              <a:t>2.</a:t>
+            </a:r>
+            <a:r>
+              <a:rPr lang="zh-CN" altLang="en-US" dirty="0" smtClean="0"/>
+              <a:t>每个层定义为一组具有相同接口的类</a:t>
+            </a:r>
+            <a:endParaRPr lang="en-US" altLang="zh-CN" dirty="0" smtClean="0"/>
           </a:p>
           <a:p>
             <a:pPr marL="0" indent="0">
@@ -9654,89 +10466,81 @@
               <a:t>	</a:t>
             </a:r>
             <a:r>
-              <a:rPr lang="en-US" altLang="zh-CN" dirty="0" err="1" smtClean="0"/>
-              <a:t>DevAdapterBehavior</a:t>
-            </a:r>
-            <a:r>
-              <a:rPr lang="en-US" altLang="zh-CN" dirty="0" smtClean="0"/>
-              <a:t>&lt;T&gt;</a:t>
-            </a:r>
-          </a:p>
-          <a:p>
-            <a:r>
-              <a:rPr lang="zh-CN" altLang="en-US" dirty="0" smtClean="0"/>
-              <a:t>不同的操作具有不同的接口与之对应</a:t>
+              <a:rPr lang="zh-CN" altLang="en-US" dirty="0" smtClean="0"/>
+              <a:t>将</a:t>
+            </a:r>
+            <a:r>
+              <a:rPr lang="en-US" altLang="zh-CN" dirty="0" smtClean="0"/>
+              <a:t>N×N×N</a:t>
+            </a:r>
+            <a:r>
+              <a:rPr lang="zh-CN" altLang="en-US" dirty="0" smtClean="0"/>
+              <a:t>的问题分解为 </a:t>
+            </a:r>
+            <a:r>
+              <a:rPr lang="en-US" altLang="zh-CN" dirty="0" smtClean="0"/>
+              <a:t>3 </a:t>
+            </a:r>
+            <a:r>
+              <a:rPr lang="zh-CN" altLang="en-US" dirty="0" smtClean="0"/>
+              <a:t>层问题</a:t>
+            </a:r>
+            <a:r>
+              <a:rPr lang="en-US" altLang="zh-CN" dirty="0" smtClean="0"/>
+              <a:t>,</a:t>
+            </a:r>
+            <a:r>
+              <a:rPr lang="zh-CN" altLang="en-US" dirty="0" smtClean="0"/>
+              <a:t>每个层次进行不同组合即得到</a:t>
+            </a:r>
+            <a:r>
+              <a:rPr lang="en-US" altLang="zh-CN" dirty="0" smtClean="0"/>
+              <a:t>N×N×N</a:t>
+            </a:r>
+            <a:r>
+              <a:rPr lang="zh-CN" altLang="en-US" dirty="0" smtClean="0"/>
+              <a:t>的需求</a:t>
             </a:r>
             <a:endParaRPr lang="en-US" altLang="zh-CN" dirty="0" smtClean="0"/>
           </a:p>
           <a:p>
-            <a:pPr marL="0" indent="0">
-              <a:buNone/>
-            </a:pPr>
-            <a:r>
-              <a:rPr lang="en-US" altLang="zh-CN" dirty="0"/>
-              <a:t>	</a:t>
-            </a:r>
-            <a:r>
-              <a:rPr lang="en-US" altLang="zh-CN" dirty="0" err="1" smtClean="0"/>
-              <a:t>IInteractiveTrans</a:t>
+            <a:r>
+              <a:rPr lang="en-US" altLang="zh-CN" dirty="0" smtClean="0"/>
+              <a:t>3.</a:t>
+            </a:r>
+            <a:r>
+              <a:rPr lang="zh-CN" altLang="en-US" dirty="0" smtClean="0"/>
+              <a:t>在操作时只依赖接口</a:t>
             </a:r>
             <a:r>
               <a:rPr lang="en-US" altLang="zh-CN" dirty="0" smtClean="0"/>
               <a:t>,</a:t>
             </a:r>
             <a:r>
-              <a:rPr lang="en-US" altLang="zh-CN" dirty="0"/>
-              <a:t> </a:t>
-            </a:r>
-            <a:r>
-              <a:rPr lang="en-US" altLang="zh-CN" dirty="0" err="1"/>
-              <a:t>ITransceiveTrans</a:t>
+              <a:rPr lang="zh-CN" altLang="en-US" dirty="0" smtClean="0"/>
+              <a:t>不依赖对应的实现</a:t>
+            </a:r>
+            <a:endParaRPr lang="en-US" altLang="zh-CN" dirty="0"/>
+          </a:p>
+          <a:p>
+            <a:r>
+              <a:rPr lang="en-US" altLang="zh-CN" dirty="0" smtClean="0"/>
+              <a:t>4.</a:t>
+            </a:r>
+            <a:r>
+              <a:rPr lang="zh-CN" altLang="en-US" dirty="0" smtClean="0"/>
+              <a:t>对于层次间的差异部分通过适配器来弥补</a:t>
             </a:r>
             <a:endParaRPr lang="en-US" altLang="zh-CN" dirty="0" smtClean="0"/>
           </a:p>
           <a:p>
             <a:r>
-              <a:rPr lang="zh-CN" altLang="en-US" dirty="0" smtClean="0"/>
-              <a:t>接口按照类别细分为</a:t>
-            </a:r>
-            <a:r>
-              <a:rPr lang="en-US" altLang="zh-CN" dirty="0" smtClean="0"/>
-              <a:t>:</a:t>
-            </a:r>
-            <a:r>
-              <a:rPr lang="zh-CN" altLang="en-US" dirty="0" smtClean="0"/>
-              <a:t>协议 和 行为</a:t>
-            </a:r>
-            <a:endParaRPr lang="en-US" altLang="zh-CN" dirty="0" smtClean="0"/>
-          </a:p>
-          <a:p>
-            <a:pPr marL="0" indent="0">
-              <a:buNone/>
-            </a:pPr>
-            <a:r>
-              <a:rPr lang="en-US" altLang="zh-CN" dirty="0"/>
-              <a:t>	</a:t>
-            </a:r>
-            <a:r>
-              <a:rPr lang="zh-CN" altLang="en-US" dirty="0" smtClean="0"/>
-              <a:t>协议 </a:t>
-            </a:r>
-            <a:r>
-              <a:rPr lang="en-US" altLang="zh-CN" dirty="0" smtClean="0"/>
-              <a:t>: </a:t>
-            </a:r>
-            <a:r>
-              <a:rPr lang="zh-CN" altLang="en-US" dirty="0" smtClean="0"/>
-              <a:t>必须实现</a:t>
-            </a:r>
-            <a:r>
-              <a:rPr lang="en-US" altLang="zh-CN" dirty="0" smtClean="0"/>
-              <a:t>;</a:t>
-            </a:r>
-            <a:r>
-              <a:rPr lang="zh-CN" altLang="en-US" dirty="0" smtClean="0"/>
-              <a:t>同一类的协议</a:t>
+              <a:rPr lang="en-US" altLang="zh-CN" dirty="0" smtClean="0"/>
+              <a:t>5.</a:t>
+            </a:r>
+            <a:r>
+              <a:rPr lang="zh-CN" altLang="en-US" dirty="0" smtClean="0"/>
+              <a:t>按照接口划分后</a:t>
             </a:r>
             <a:r>
               <a:rPr lang="en-US" altLang="zh-CN" dirty="0" smtClean="0"/>
@@ -9744,117 +10548,16 @@
             </a:r>
             <a:r>
               <a:rPr lang="zh-CN" altLang="en-US" dirty="0" smtClean="0"/>
-              <a:t>只能继承一次</a:t>
-            </a:r>
-            <a:endParaRPr lang="en-US" altLang="zh-CN" dirty="0"/>
-          </a:p>
-          <a:p>
-            <a:pPr marL="0" indent="0">
-              <a:buNone/>
-            </a:pPr>
-            <a:r>
-              <a:rPr lang="en-US" altLang="zh-CN" dirty="0" smtClean="0"/>
-              <a:t>	</a:t>
-            </a:r>
-            <a:r>
-              <a:rPr lang="en-US" altLang="zh-CN" dirty="0" err="1" smtClean="0"/>
-              <a:t>IBaseDevice</a:t>
+              <a:t>将应用和硬件的关联依赖性降到最低</a:t>
             </a:r>
             <a:r>
               <a:rPr lang="en-US" altLang="zh-CN" dirty="0" smtClean="0"/>
               <a:t>,</a:t>
             </a:r>
             <a:r>
-              <a:rPr lang="en-US" altLang="zh-CN" dirty="0"/>
-              <a:t> </a:t>
-            </a:r>
-            <a:r>
-              <a:rPr lang="en-US" altLang="zh-CN" dirty="0" err="1"/>
-              <a:t>IICCardDevice</a:t>
-            </a:r>
-            <a:endParaRPr lang="en-US" altLang="zh-CN" dirty="0" smtClean="0"/>
-          </a:p>
-          <a:p>
-            <a:pPr marL="0" indent="0">
-              <a:buNone/>
-            </a:pPr>
-            <a:r>
-              <a:rPr lang="en-US" altLang="zh-CN" dirty="0"/>
-              <a:t>	</a:t>
-            </a:r>
-            <a:r>
-              <a:rPr lang="zh-CN" altLang="en-US" dirty="0" smtClean="0"/>
-              <a:t>行为 </a:t>
-            </a:r>
-            <a:r>
-              <a:rPr lang="en-US" altLang="zh-CN" dirty="0" smtClean="0"/>
-              <a:t>: </a:t>
-            </a:r>
-            <a:r>
-              <a:rPr lang="zh-CN" altLang="en-US" dirty="0" smtClean="0"/>
-              <a:t>实现可选</a:t>
-            </a:r>
-            <a:r>
-              <a:rPr lang="en-US" altLang="zh-CN" dirty="0" smtClean="0"/>
-              <a:t>;</a:t>
-            </a:r>
-            <a:r>
-              <a:rPr lang="zh-CN" altLang="en-US" dirty="0" smtClean="0"/>
-              <a:t>可以同时支持不同的多种行为</a:t>
-            </a:r>
-            <a:endParaRPr lang="en-US" altLang="zh-CN" dirty="0"/>
-          </a:p>
-          <a:p>
-            <a:pPr marL="0" indent="0">
-              <a:buNone/>
-            </a:pPr>
-            <a:r>
-              <a:rPr lang="en-US" altLang="zh-CN" dirty="0" smtClean="0"/>
-              <a:t>	</a:t>
-            </a:r>
-            <a:r>
-              <a:rPr lang="en-US" altLang="zh-CN" dirty="0" err="1" smtClean="0"/>
-              <a:t>ITimeoutBehavior</a:t>
-            </a:r>
-            <a:r>
-              <a:rPr lang="en-US" altLang="zh-CN" dirty="0" smtClean="0"/>
-              <a:t>,</a:t>
-            </a:r>
-            <a:r>
-              <a:rPr lang="en-US" altLang="zh-CN" dirty="0"/>
-              <a:t> </a:t>
-            </a:r>
-            <a:r>
-              <a:rPr lang="en-US" altLang="zh-CN" dirty="0" err="1" smtClean="0"/>
-              <a:t>InterruptBehavior</a:t>
-            </a:r>
-            <a:r>
-              <a:rPr lang="en-US" altLang="zh-CN" dirty="0" smtClean="0"/>
-              <a:t>,</a:t>
-            </a:r>
-            <a:r>
-              <a:rPr lang="en-US" altLang="zh-CN" dirty="0"/>
-              <a:t> </a:t>
-            </a:r>
-            <a:r>
-              <a:rPr lang="en-US" altLang="zh-CN" dirty="0" err="1" smtClean="0"/>
-              <a:t>ILastErrBehavior</a:t>
-            </a:r>
-            <a:r>
-              <a:rPr lang="en-US" altLang="zh-CN" dirty="0" smtClean="0"/>
-              <a:t>,</a:t>
-            </a:r>
-            <a:r>
-              <a:rPr lang="en-US" altLang="zh-CN" dirty="0"/>
-              <a:t> </a:t>
-            </a:r>
-            <a:r>
-              <a:rPr lang="en-US" altLang="zh-CN" dirty="0" err="1"/>
-              <a:t>ILoggerBehavior</a:t>
-            </a:r>
-            <a:endParaRPr lang="en-US" altLang="zh-CN" dirty="0" smtClean="0"/>
-          </a:p>
-          <a:p>
+              <a:rPr lang="zh-CN" altLang="en-US" dirty="0" smtClean="0"/>
+              <a:t>实现应用逻辑和硬件的分离</a:t>
+            </a:r>
             <a:endParaRPr lang="zh-CN" altLang="en-US" dirty="0"/>
           </a:p>
         </p:txBody>
@@ -9862,7 +10565,7 @@
     </p:spTree>
     <p:extLst>
       <p:ext uri="{BB962C8B-B14F-4D97-AF65-F5344CB8AC3E}">
-        <p14:creationId xmlns:p14="http://schemas.microsoft.com/office/powerpoint/2010/main" val="4064704499"/>
+        <p14:creationId xmlns:p14="http://schemas.microsoft.com/office/powerpoint/2010/main" val="3206269083"/>
       </p:ext>
     </p:extLst>
   </p:cSld>
@@ -9906,7 +10609,7 @@
           <a:p>
             <a:r>
               <a:rPr lang="zh-CN" altLang="en-US" dirty="0" smtClean="0"/>
-              <a:t>基本模式</a:t>
+              <a:t>优缺点</a:t>
             </a:r>
             <a:r>
               <a:rPr lang="en-US" altLang="zh-CN" dirty="0" smtClean="0"/>
@@ -9926,16 +10629,34 @@
             <p:ph idx="1"/>
           </p:nvPr>
         </p:nvSpPr>
-        <p:spPr/>
-        <p:txBody>
-          <a:bodyPr/>
+        <p:spPr>
+          <a:xfrm>
+            <a:off x="677334" y="2160589"/>
+            <a:ext cx="8596668" cy="3880773"/>
+          </a:xfrm>
+        </p:spPr>
+        <p:txBody>
+          <a:bodyPr>
+            <a:normAutofit fontScale="92500" lnSpcReduction="10000"/>
+          </a:bodyPr>
           <a:lstStyle/>
           <a:p>
             <a:r>
-              <a:rPr lang="zh-CN" altLang="en-US" dirty="0" smtClean="0"/>
-              <a:t>接口简洁</a:t>
-            </a:r>
-            <a:endParaRPr lang="en-US" altLang="zh-CN" dirty="0" smtClean="0"/>
+              <a:rPr lang="zh-CN" altLang="en-US" dirty="0" smtClean="0">
+                <a:solidFill>
+                  <a:srgbClr val="00B0F0"/>
+                </a:solidFill>
+              </a:rPr>
+              <a:t>优点</a:t>
+            </a:r>
+            <a:r>
+              <a:rPr lang="en-US" altLang="zh-CN" dirty="0" smtClean="0">
+                <a:solidFill>
+                  <a:srgbClr val="00B0F0"/>
+                </a:solidFill>
+              </a:rPr>
+              <a:t>:</a:t>
+            </a:r>
           </a:p>
           <a:p>
             <a:pPr marL="0" indent="0">
@@ -9946,8 +10667,12 @@
               <a:t>	</a:t>
             </a:r>
             <a:r>
-              <a:rPr lang="zh-CN" altLang="en-US" dirty="0" smtClean="0"/>
-              <a:t>给类增加一个接口非常容易</a:t>
+              <a:rPr lang="en-US" altLang="zh-CN" dirty="0" smtClean="0"/>
+              <a:t>1.</a:t>
+            </a:r>
+            <a:r>
+              <a:rPr lang="zh-CN" altLang="en-US" dirty="0" smtClean="0"/>
+              <a:t>接口功能细化</a:t>
             </a:r>
             <a:r>
               <a:rPr lang="en-US" altLang="zh-CN" dirty="0" smtClean="0"/>
@@ -9955,15 +10680,7 @@
             </a:r>
             <a:r>
               <a:rPr lang="zh-CN" altLang="en-US" dirty="0" smtClean="0"/>
-              <a:t>但是删除一个接口却很难</a:t>
-            </a:r>
-            <a:r>
-              <a:rPr lang="en-US" altLang="zh-CN" dirty="0" smtClean="0"/>
-              <a:t>;</a:t>
-            </a:r>
-            <a:r>
-              <a:rPr lang="zh-CN" altLang="en-US" dirty="0" smtClean="0"/>
-              <a:t>尽量保证类的接口少</a:t>
+              <a:t>使用时根据接口进行组合</a:t>
             </a:r>
             <a:r>
               <a:rPr lang="en-US" altLang="zh-CN" dirty="0" smtClean="0"/>
@@ -9971,22 +10688,7 @@
             </a:r>
             <a:r>
               <a:rPr lang="zh-CN" altLang="en-US" dirty="0" smtClean="0"/>
-              <a:t>并且功能专一</a:t>
-            </a:r>
-            <a:r>
-              <a:rPr lang="en-US" altLang="zh-CN" dirty="0" smtClean="0"/>
-              <a:t>,</a:t>
-            </a:r>
-            <a:r>
-              <a:rPr lang="zh-CN" altLang="en-US" dirty="0" smtClean="0"/>
-              <a:t>应用层可以使用辅助函数的方式来扩展功能和提高易用性</a:t>
-            </a:r>
-            <a:endParaRPr lang="en-US" altLang="zh-CN" dirty="0" smtClean="0"/>
-          </a:p>
-          <a:p>
-            <a:r>
-              <a:rPr lang="zh-CN" altLang="en-US" dirty="0" smtClean="0"/>
-              <a:t>适配器</a:t>
+              <a:t>开发灵活方便</a:t>
             </a:r>
             <a:endParaRPr lang="en-US" altLang="zh-CN" dirty="0" smtClean="0"/>
           </a:p>
@@ -9999,13 +10701,52 @@
               <a:t>	</a:t>
             </a:r>
             <a:r>
-              <a:rPr lang="zh-CN" altLang="en-US" dirty="0" smtClean="0"/>
-              <a:t>使用适配器进行</a:t>
-            </a:r>
-            <a:r>
-              <a:rPr lang="en-US" altLang="zh-CN" dirty="0" smtClean="0"/>
-              <a:t>:</a:t>
-            </a:r>
+              <a:rPr lang="en-US" altLang="zh-CN" dirty="0" smtClean="0"/>
+              <a:t>2.</a:t>
+            </a:r>
+            <a:r>
+              <a:rPr lang="zh-CN" altLang="en-US" dirty="0" smtClean="0"/>
+              <a:t>对于通信层和协议层不一致导致的客户化开发及其快速</a:t>
+            </a:r>
+            <a:r>
+              <a:rPr lang="en-US" altLang="zh-CN" dirty="0" smtClean="0"/>
+              <a:t>,</a:t>
+            </a:r>
+            <a:r>
+              <a:rPr lang="zh-CN" altLang="en-US" dirty="0" smtClean="0"/>
+              <a:t>只需要更换对应的类名即可</a:t>
+            </a:r>
+            <a:endParaRPr lang="en-US" altLang="zh-CN" dirty="0"/>
+          </a:p>
+          <a:p>
+            <a:pPr marL="0" indent="0">
+              <a:buNone/>
+            </a:pPr>
+            <a:r>
+              <a:rPr lang="en-US" altLang="zh-CN" dirty="0" smtClean="0"/>
+              <a:t>	3.</a:t>
+            </a:r>
+            <a:r>
+              <a:rPr lang="zh-CN" altLang="en-US" dirty="0" smtClean="0"/>
+              <a:t>开发上手容易</a:t>
+            </a:r>
+            <a:r>
+              <a:rPr lang="en-US" altLang="zh-CN" dirty="0" smtClean="0"/>
+              <a:t>,</a:t>
+            </a:r>
+            <a:r>
+              <a:rPr lang="zh-CN" altLang="en-US" dirty="0" smtClean="0"/>
+              <a:t>不需要开发者对硬件协议本身和应用细节有太多了解</a:t>
+            </a:r>
+            <a:r>
+              <a:rPr lang="en-US" altLang="zh-CN" dirty="0" smtClean="0"/>
+              <a:t>,</a:t>
+            </a:r>
+            <a:r>
+              <a:rPr lang="zh-CN" altLang="en-US" dirty="0" smtClean="0"/>
+              <a:t>只需要学会使用相关的类</a:t>
+            </a:r>
+            <a:endParaRPr lang="en-US" altLang="zh-CN" dirty="0" smtClean="0"/>
           </a:p>
           <a:p>
             <a:pPr marL="0" indent="0">
@@ -10017,50 +10758,132 @@
             </a:r>
             <a:r>
               <a:rPr lang="en-US" altLang="zh-CN" dirty="0" smtClean="0"/>
+              <a:t>4.</a:t>
+            </a:r>
+            <a:r>
+              <a:rPr lang="zh-CN" altLang="en-US" dirty="0" smtClean="0"/>
+              <a:t>应用和协议部分支持跨平台特性</a:t>
+            </a:r>
+            <a:r>
+              <a:rPr lang="en-US" altLang="zh-CN" dirty="0" smtClean="0"/>
+              <a:t>,</a:t>
+            </a:r>
+            <a:r>
+              <a:rPr lang="zh-CN" altLang="en-US" dirty="0" smtClean="0"/>
+              <a:t>代码复用率高</a:t>
+            </a:r>
+            <a:r>
+              <a:rPr lang="en-US" altLang="zh-CN" dirty="0" smtClean="0"/>
+              <a:t>,</a:t>
+            </a:r>
+            <a:r>
+              <a:rPr lang="zh-CN" altLang="en-US" dirty="0" smtClean="0"/>
+              <a:t>对于不同平台不同接口类型的设备驱动可移植性高并且简单方便</a:t>
+            </a:r>
+            <a:endParaRPr lang="en-US" altLang="zh-CN" dirty="0" smtClean="0"/>
+          </a:p>
+          <a:p>
+            <a:r>
+              <a:rPr lang="zh-CN" altLang="en-US" dirty="0" smtClean="0">
+                <a:solidFill>
+                  <a:srgbClr val="FF0000"/>
+                </a:solidFill>
+              </a:rPr>
+              <a:t>缺点</a:t>
+            </a:r>
+            <a:r>
+              <a:rPr lang="en-US" altLang="zh-CN" dirty="0" smtClean="0">
+                <a:solidFill>
+                  <a:srgbClr val="FF0000"/>
+                </a:solidFill>
+              </a:rPr>
+              <a:t>:</a:t>
+            </a:r>
+          </a:p>
+          <a:p>
+            <a:pPr marL="0" indent="0">
+              <a:buNone/>
+            </a:pPr>
+            <a:r>
+              <a:rPr lang="en-US" altLang="zh-CN" dirty="0">
+                <a:solidFill>
+                  <a:srgbClr val="FF0000"/>
+                </a:solidFill>
+              </a:rPr>
+              <a:t>	</a:t>
+            </a:r>
+            <a:r>
+              <a:rPr lang="en-US" altLang="zh-CN" dirty="0"/>
               <a:t>1.</a:t>
             </a:r>
             <a:r>
-              <a:rPr lang="zh-CN" altLang="en-US" dirty="0" smtClean="0"/>
-              <a:t>协议转换</a:t>
-            </a:r>
-            <a:endParaRPr lang="en-US" altLang="zh-CN" dirty="0"/>
+              <a:rPr lang="zh-CN" altLang="en-US" dirty="0"/>
+              <a:t>接口细化导致接口</a:t>
+            </a:r>
+            <a:r>
+              <a:rPr lang="zh-CN" altLang="en-US" dirty="0" smtClean="0"/>
+              <a:t>众多</a:t>
+            </a:r>
+            <a:r>
+              <a:rPr lang="en-US" altLang="zh-CN" dirty="0" smtClean="0"/>
+              <a:t>,</a:t>
+            </a:r>
+            <a:r>
+              <a:rPr lang="zh-CN" altLang="en-US" dirty="0" smtClean="0"/>
+              <a:t>对于学习和记忆要求高</a:t>
+            </a:r>
+            <a:endParaRPr lang="en-US" altLang="zh-CN" dirty="0" smtClean="0"/>
           </a:p>
           <a:p>
             <a:pPr marL="0" indent="0">
               <a:buNone/>
             </a:pPr>
-            <a:r>
-              <a:rPr lang="en-US" altLang="zh-CN" dirty="0" smtClean="0"/>
-              <a:t>	2.</a:t>
-            </a:r>
-            <a:r>
-              <a:rPr lang="zh-CN" altLang="en-US" dirty="0" smtClean="0"/>
-              <a:t>数据转换</a:t>
-            </a:r>
-            <a:r>
-              <a:rPr lang="en-US" altLang="zh-CN" dirty="0" smtClean="0"/>
-              <a:t>(</a:t>
-            </a:r>
-            <a:r>
-              <a:rPr lang="zh-CN" altLang="en-US" dirty="0" smtClean="0"/>
-              <a:t>指令格式</a:t>
-            </a:r>
-            <a:r>
-              <a:rPr lang="en-US" altLang="zh-CN" dirty="0" smtClean="0"/>
-              <a:t>)</a:t>
-            </a:r>
             <a:r>
               <a:rPr lang="en-US" altLang="zh-CN" dirty="0"/>
               <a:t>	</a:t>
             </a:r>
-            <a:endParaRPr lang="en-US" altLang="zh-CN" dirty="0" smtClean="0"/>
+            <a:r>
+              <a:rPr lang="en-US" altLang="zh-CN" dirty="0" smtClean="0"/>
+              <a:t>2.</a:t>
+            </a:r>
+            <a:r>
+              <a:rPr lang="zh-CN" altLang="en-US" dirty="0" smtClean="0"/>
+              <a:t>由于按照接口组合</a:t>
+            </a:r>
+            <a:r>
+              <a:rPr lang="en-US" altLang="zh-CN" dirty="0" smtClean="0"/>
+              <a:t>,</a:t>
+            </a:r>
+            <a:r>
+              <a:rPr lang="zh-CN" altLang="en-US" dirty="0" smtClean="0"/>
+              <a:t>导致调试时无法明显的确定调用流程和具体类</a:t>
+            </a:r>
+            <a:r>
+              <a:rPr lang="en-US" altLang="zh-CN" dirty="0" smtClean="0"/>
+              <a:t>(</a:t>
+            </a:r>
+            <a:r>
+              <a:rPr lang="zh-CN" altLang="en-US" dirty="0" smtClean="0"/>
+              <a:t>通过日志辅助解决</a:t>
+            </a:r>
+            <a:r>
+              <a:rPr lang="en-US" altLang="zh-CN" dirty="0" smtClean="0"/>
+              <a:t>)</a:t>
+            </a:r>
+            <a:endParaRPr lang="en-US" altLang="zh-CN" dirty="0"/>
+          </a:p>
+          <a:p>
+            <a:pPr marL="0" indent="0">
+              <a:buNone/>
+            </a:pPr>
+            <a:endParaRPr lang="zh-CN" altLang="en-US" dirty="0"/>
           </a:p>
         </p:txBody>
       </p:sp>
     </p:spTree>
     <p:extLst>
       <p:ext uri="{BB962C8B-B14F-4D97-AF65-F5344CB8AC3E}">
-        <p14:creationId xmlns:p14="http://schemas.microsoft.com/office/powerpoint/2010/main" val="3996645733"/>
+        <p14:creationId xmlns:p14="http://schemas.microsoft.com/office/powerpoint/2010/main" val="522875077"/>
       </p:ext>
     </p:extLst>
   </p:cSld>
@@ -10104,7 +10927,7 @@
           <a:p>
             <a:r>
               <a:rPr lang="zh-CN" altLang="en-US" dirty="0" smtClean="0"/>
-              <a:t>命名</a:t>
+              <a:t>按照接口来编程</a:t>
             </a:r>
             <a:r>
               <a:rPr lang="en-US" altLang="zh-CN" dirty="0" smtClean="0"/>
@@ -10124,50 +10947,21 @@
             <p:ph idx="1"/>
           </p:nvPr>
         </p:nvSpPr>
-        <p:spPr/>
-        <p:txBody>
-          <a:bodyPr/>
+        <p:spPr>
+          <a:xfrm>
+            <a:off x="677334" y="1558835"/>
+            <a:ext cx="8596668" cy="4482528"/>
+          </a:xfrm>
+        </p:spPr>
+        <p:txBody>
+          <a:bodyPr>
+            <a:normAutofit/>
+          </a:bodyPr>
           <a:lstStyle/>
           <a:p>
             <a:r>
-              <a:rPr lang="zh-CN" altLang="zh-CN" dirty="0"/>
-              <a:t>所有静态转换类都以</a:t>
-            </a:r>
-            <a:r>
-              <a:rPr lang="en-US" altLang="zh-CN" dirty="0"/>
-              <a:t>: Convert</a:t>
-            </a:r>
-            <a:r>
-              <a:rPr lang="zh-CN" altLang="zh-CN" dirty="0"/>
-              <a:t>结尾</a:t>
-            </a:r>
-            <a:r>
-              <a:rPr lang="en-US" altLang="zh-CN" dirty="0"/>
-              <a:t>,</a:t>
-            </a:r>
-            <a:r>
-              <a:rPr lang="zh-CN" altLang="zh-CN" dirty="0"/>
-              <a:t>使用</a:t>
-            </a:r>
-            <a:r>
-              <a:rPr lang="zh-CN" altLang="zh-CN" dirty="0" smtClean="0"/>
-              <a:t>静态</a:t>
-            </a:r>
-            <a:r>
-              <a:rPr lang="zh-CN" altLang="en-US" dirty="0" smtClean="0"/>
-              <a:t>函数</a:t>
-            </a:r>
-            <a:r>
-              <a:rPr lang="zh-CN" altLang="zh-CN" dirty="0" smtClean="0"/>
-              <a:t>的</a:t>
-            </a:r>
-            <a:r>
-              <a:rPr lang="zh-CN" altLang="zh-CN" dirty="0"/>
-              <a:t>方式对数据进行</a:t>
-            </a:r>
-            <a:r>
-              <a:rPr lang="zh-CN" altLang="zh-CN" dirty="0" smtClean="0"/>
-              <a:t>转换</a:t>
+              <a:rPr lang="zh-CN" altLang="en-US" dirty="0" smtClean="0"/>
+              <a:t>应用依赖于接口而不依赖名称</a:t>
             </a:r>
             <a:endParaRPr lang="en-US" altLang="zh-CN" dirty="0" smtClean="0"/>
           </a:p>
@@ -10180,8 +10974,57 @@
               <a:t>	</a:t>
             </a:r>
             <a:r>
+              <a:rPr lang="zh-CN" altLang="en-US" dirty="0" smtClean="0"/>
+              <a:t>应用相当于顶层的一个适配器</a:t>
+            </a:r>
+            <a:r>
+              <a:rPr lang="en-US" altLang="zh-CN" dirty="0" smtClean="0"/>
+              <a:t>,</a:t>
+            </a:r>
+            <a:r>
+              <a:rPr lang="zh-CN" altLang="en-US" dirty="0" smtClean="0"/>
+              <a:t>实现适配器的接口</a:t>
+            </a:r>
+            <a:r>
+              <a:rPr lang="en-US" altLang="zh-CN" dirty="0" smtClean="0"/>
+              <a:t>:</a:t>
+            </a:r>
+          </a:p>
+          <a:p>
+            <a:pPr marL="0" indent="0">
+              <a:buNone/>
+            </a:pPr>
+            <a:r>
+              <a:rPr lang="en-US" altLang="zh-CN" dirty="0"/>
+              <a:t>	</a:t>
+            </a:r>
+            <a:r>
               <a:rPr lang="en-US" altLang="zh-CN" dirty="0" err="1" smtClean="0"/>
-              <a:t>BitConvert</a:t>
+              <a:t>DevAdapterBehavior</a:t>
+            </a:r>
+            <a:r>
+              <a:rPr lang="en-US" altLang="zh-CN" dirty="0" smtClean="0"/>
+              <a:t>&lt;T&gt;</a:t>
+            </a:r>
+          </a:p>
+          <a:p>
+            <a:r>
+              <a:rPr lang="zh-CN" altLang="en-US" dirty="0" smtClean="0"/>
+              <a:t>不同的操作具有不同的接口与之对应</a:t>
+            </a:r>
+            <a:endParaRPr lang="en-US" altLang="zh-CN" dirty="0" smtClean="0"/>
+          </a:p>
+          <a:p>
+            <a:pPr marL="0" indent="0">
+              <a:buNone/>
+            </a:pPr>
+            <a:r>
+              <a:rPr lang="en-US" altLang="zh-CN" dirty="0"/>
+              <a:t>	</a:t>
+            </a:r>
+            <a:r>
+              <a:rPr lang="en-US" altLang="zh-CN" dirty="0" err="1" smtClean="0"/>
+              <a:t>IInteractiveTrans</a:t>
             </a:r>
             <a:r>
               <a:rPr lang="en-US" altLang="zh-CN" dirty="0" smtClean="0"/>
@@ -10192,8 +11035,75 @@
               <a:t> </a:t>
             </a:r>
             <a:r>
+              <a:rPr lang="en-US" altLang="zh-CN" dirty="0" err="1"/>
+              <a:t>ITransceiveTrans</a:t>
+            </a:r>
+            <a:endParaRPr lang="en-US" altLang="zh-CN" dirty="0" smtClean="0"/>
+          </a:p>
+          <a:p>
+            <a:r>
+              <a:rPr lang="zh-CN" altLang="en-US" dirty="0" smtClean="0"/>
+              <a:t>接口按照类别细分为</a:t>
+            </a:r>
+            <a:r>
+              <a:rPr lang="en-US" altLang="zh-CN" dirty="0" smtClean="0"/>
+              <a:t>:</a:t>
+            </a:r>
+            <a:r>
+              <a:rPr lang="zh-CN" altLang="en-US" dirty="0" smtClean="0"/>
+              <a:t>协议 和 行为</a:t>
+            </a:r>
+            <a:endParaRPr lang="en-US" altLang="zh-CN" dirty="0" smtClean="0"/>
+          </a:p>
+          <a:p>
+            <a:pPr marL="0" indent="0">
+              <a:buNone/>
+            </a:pPr>
+            <a:r>
+              <a:rPr lang="en-US" altLang="zh-CN" dirty="0"/>
+              <a:t>	</a:t>
+            </a:r>
+            <a:r>
+              <a:rPr lang="zh-CN" altLang="en-US" dirty="0" smtClean="0"/>
+              <a:t>协议 </a:t>
+            </a:r>
+            <a:r>
+              <a:rPr lang="en-US" altLang="zh-CN" dirty="0" smtClean="0"/>
+              <a:t>: </a:t>
+            </a:r>
+            <a:r>
+              <a:rPr lang="zh-CN" altLang="en-US" dirty="0" smtClean="0"/>
+              <a:t>必须实现</a:t>
+            </a:r>
+            <a:r>
+              <a:rPr lang="en-US" altLang="zh-CN" dirty="0" smtClean="0"/>
+              <a:t>;</a:t>
+            </a:r>
+            <a:r>
+              <a:rPr lang="zh-CN" altLang="en-US" dirty="0" smtClean="0"/>
+              <a:t>同一类的协议</a:t>
+            </a:r>
+            <a:r>
+              <a:rPr lang="en-US" altLang="zh-CN" dirty="0" smtClean="0"/>
+              <a:t>,</a:t>
+            </a:r>
+            <a:r>
+              <a:rPr lang="zh-CN" altLang="en-US" dirty="0" smtClean="0"/>
+              <a:t>只能继承一次</a:t>
+            </a:r>
+            <a:endParaRPr lang="en-US" altLang="zh-CN" dirty="0"/>
+          </a:p>
+          <a:p>
+            <a:pPr marL="0" indent="0">
+              <a:buNone/>
+            </a:pPr>
+            <a:r>
+              <a:rPr lang="en-US" altLang="zh-CN" dirty="0" smtClean="0"/>
+              <a:t>	</a:t>
+            </a:r>
+            <a:r>
               <a:rPr lang="en-US" altLang="zh-CN" dirty="0" err="1" smtClean="0"/>
-              <a:t>ByteConvert</a:t>
+              <a:t>IBaseDevice</a:t>
             </a:r>
             <a:r>
               <a:rPr lang="en-US" altLang="zh-CN" dirty="0" smtClean="0"/>
@@ -10204,8 +11114,52 @@
               <a:t> </a:t>
             </a:r>
             <a:r>
+              <a:rPr lang="en-US" altLang="zh-CN" dirty="0" err="1"/>
+              <a:t>IICCardDevice</a:t>
+            </a:r>
+            <a:endParaRPr lang="en-US" altLang="zh-CN" dirty="0" smtClean="0"/>
+          </a:p>
+          <a:p>
+            <a:pPr marL="0" indent="0">
+              <a:buNone/>
+            </a:pPr>
+            <a:r>
+              <a:rPr lang="en-US" altLang="zh-CN" dirty="0"/>
+              <a:t>	</a:t>
+            </a:r>
+            <a:r>
+              <a:rPr lang="zh-CN" altLang="en-US" dirty="0" smtClean="0"/>
+              <a:t>行为 </a:t>
+            </a:r>
+            <a:r>
+              <a:rPr lang="en-US" altLang="zh-CN" dirty="0" smtClean="0"/>
+              <a:t>: </a:t>
+            </a:r>
+            <a:r>
+              <a:rPr lang="zh-CN" altLang="en-US" dirty="0" smtClean="0"/>
+              <a:t>实现可选</a:t>
+            </a:r>
+            <a:r>
+              <a:rPr lang="en-US" altLang="zh-CN" dirty="0" smtClean="0"/>
+              <a:t>;</a:t>
+            </a:r>
+            <a:r>
+              <a:rPr lang="zh-CN" altLang="en-US" dirty="0" smtClean="0"/>
+              <a:t>可以同时支持不同的多种行为</a:t>
+            </a:r>
+            <a:endParaRPr lang="en-US" altLang="zh-CN" dirty="0"/>
+          </a:p>
+          <a:p>
+            <a:pPr marL="0" indent="0">
+              <a:buNone/>
+            </a:pPr>
+            <a:r>
+              <a:rPr lang="en-US" altLang="zh-CN" dirty="0" smtClean="0"/>
+              <a:t>	</a:t>
+            </a:r>
+            <a:r>
               <a:rPr lang="en-US" altLang="zh-CN" dirty="0" err="1" smtClean="0"/>
-              <a:t>StringConvert</a:t>
+              <a:t>ITimeoutBehavior</a:t>
             </a:r>
             <a:r>
               <a:rPr lang="en-US" altLang="zh-CN" dirty="0" smtClean="0"/>
@@ -10216,49 +11170,8 @@
               <a:t> </a:t>
             </a:r>
             <a:r>
-              <a:rPr lang="en-US" altLang="zh-CN" dirty="0" err="1"/>
-              <a:t>IconvCharsetConvert</a:t>
-            </a:r>
-            <a:endParaRPr lang="en-US" altLang="zh-CN" dirty="0" smtClean="0"/>
-          </a:p>
-          <a:p>
-            <a:r>
-              <a:rPr lang="zh-CN" altLang="zh-CN" dirty="0"/>
-              <a:t>所有动态转换类都以</a:t>
-            </a:r>
-            <a:r>
-              <a:rPr lang="en-US" altLang="zh-CN" dirty="0"/>
-              <a:t>: Converter</a:t>
-            </a:r>
-            <a:r>
-              <a:rPr lang="zh-CN" altLang="zh-CN" dirty="0"/>
-              <a:t>结尾</a:t>
-            </a:r>
-            <a:r>
-              <a:rPr lang="en-US" altLang="zh-CN" dirty="0"/>
-              <a:t>,</a:t>
-            </a:r>
-            <a:r>
-              <a:rPr lang="zh-CN" altLang="zh-CN" dirty="0"/>
-              <a:t>需要使用相应实例的对象来完成转换</a:t>
-            </a:r>
-            <a:r>
-              <a:rPr lang="zh-CN" altLang="zh-CN" dirty="0" smtClean="0"/>
-              <a:t>操作</a:t>
-            </a:r>
-            <a:endParaRPr lang="en-US" altLang="zh-CN" dirty="0" smtClean="0"/>
-          </a:p>
-          <a:p>
-            <a:pPr marL="0" indent="0">
-              <a:buNone/>
-            </a:pPr>
-            <a:r>
-              <a:rPr lang="en-US" altLang="zh-CN" dirty="0"/>
-              <a:t>	</a:t>
-            </a:r>
-            <a:r>
               <a:rPr lang="en-US" altLang="zh-CN" dirty="0" err="1" smtClean="0"/>
-              <a:t>CharConverter</a:t>
+              <a:t>InterruptBehavior</a:t>
             </a:r>
             <a:r>
               <a:rPr lang="en-US" altLang="zh-CN" dirty="0" smtClean="0"/>
@@ -10269,37 +11182,8 @@
               <a:t> </a:t>
             </a:r>
             <a:r>
-              <a:rPr lang="en-US" altLang="zh-CN" dirty="0" err="1"/>
-              <a:t>JniConverter</a:t>
-            </a:r>
-            <a:endParaRPr lang="zh-CN" altLang="zh-CN" dirty="0"/>
-          </a:p>
-          <a:p>
-            <a:r>
-              <a:rPr lang="zh-CN" altLang="zh-CN" dirty="0"/>
-              <a:t>所有接口的抽象类声明都以</a:t>
-            </a:r>
-            <a:r>
-              <a:rPr lang="en-US" altLang="zh-CN" dirty="0"/>
-              <a:t>: I </a:t>
-            </a:r>
-            <a:r>
-              <a:rPr lang="zh-CN" altLang="zh-CN" dirty="0" smtClean="0"/>
-              <a:t>开头</a:t>
-            </a:r>
-            <a:endParaRPr lang="en-US" altLang="zh-CN" dirty="0" smtClean="0"/>
-          </a:p>
-          <a:p>
-            <a:pPr marL="0" indent="0">
-              <a:buNone/>
-            </a:pPr>
-            <a:r>
-              <a:rPr lang="en-US" altLang="zh-CN" dirty="0"/>
-              <a:t>	</a:t>
-            </a:r>
-            <a:r>
               <a:rPr lang="en-US" altLang="zh-CN" dirty="0" err="1" smtClean="0"/>
-              <a:t>Iinterrupter</a:t>
+              <a:t>ILastErrBehavior</a:t>
             </a:r>
             <a:r>
               <a:rPr lang="en-US" altLang="zh-CN" dirty="0" smtClean="0"/>
@@ -10310,132 +11194,20 @@
               <a:t> </a:t>
             </a:r>
             <a:r>
-              <a:rPr lang="en-US" altLang="zh-CN" dirty="0" err="1" smtClean="0"/>
-              <a:t>IBaseDevice</a:t>
-            </a:r>
-            <a:r>
-              <a:rPr lang="en-US" altLang="zh-CN" dirty="0" smtClean="0"/>
-              <a:t>,</a:t>
-            </a:r>
-            <a:r>
-              <a:rPr lang="en-US" altLang="zh-CN" dirty="0"/>
-              <a:t> </a:t>
-            </a:r>
-            <a:r>
               <a:rPr lang="en-US" altLang="zh-CN" dirty="0" err="1"/>
-              <a:t>IInteractiveTrans</a:t>
+              <a:t>ILoggerBehavior</a:t>
             </a:r>
             <a:endParaRPr lang="en-US" altLang="zh-CN" dirty="0" smtClean="0"/>
           </a:p>
           <a:p>
-            <a:r>
-              <a:rPr lang="zh-CN" altLang="zh-CN" dirty="0"/>
-              <a:t>所有行为的抽象类声明都以</a:t>
-            </a:r>
-            <a:r>
-              <a:rPr lang="en-US" altLang="zh-CN" dirty="0"/>
-              <a:t>: I</a:t>
-            </a:r>
-            <a:r>
-              <a:rPr lang="zh-CN" altLang="zh-CN" dirty="0"/>
-              <a:t>开头</a:t>
-            </a:r>
-            <a:r>
-              <a:rPr lang="en-US" altLang="zh-CN" dirty="0"/>
-              <a:t>,</a:t>
-            </a:r>
-            <a:r>
-              <a:rPr lang="zh-CN" altLang="zh-CN" dirty="0"/>
-              <a:t>以</a:t>
-            </a:r>
-            <a:r>
-              <a:rPr lang="en-US" altLang="zh-CN" dirty="0"/>
-              <a:t>Behavior</a:t>
-            </a:r>
-            <a:r>
-              <a:rPr lang="zh-CN" altLang="zh-CN" dirty="0"/>
-              <a:t>结尾</a:t>
-            </a:r>
-            <a:r>
-              <a:rPr lang="en-US" altLang="zh-CN" dirty="0"/>
-              <a:t>, </a:t>
-            </a:r>
-            <a:r>
-              <a:rPr lang="zh-CN" altLang="zh-CN" dirty="0"/>
-              <a:t>名称和行为接口完全一致</a:t>
-            </a:r>
-            <a:r>
-              <a:rPr lang="en-US" altLang="zh-CN" dirty="0"/>
-              <a:t>,</a:t>
-            </a:r>
-            <a:r>
-              <a:rPr lang="zh-CN" altLang="zh-CN" dirty="0"/>
-              <a:t>但是不以</a:t>
-            </a:r>
-            <a:r>
-              <a:rPr lang="en-US" altLang="zh-CN" dirty="0"/>
-              <a:t>I</a:t>
-            </a:r>
-            <a:r>
-              <a:rPr lang="zh-CN" altLang="zh-CN" dirty="0"/>
-              <a:t>开头的表示该行为接口的默认实现</a:t>
-            </a:r>
-            <a:r>
-              <a:rPr lang="zh-CN" altLang="zh-CN" dirty="0" smtClean="0"/>
-              <a:t>类</a:t>
-            </a:r>
-            <a:endParaRPr lang="en-US" altLang="zh-CN" dirty="0" smtClean="0"/>
-          </a:p>
-          <a:p>
-            <a:pPr marL="0" indent="0">
-              <a:buNone/>
-            </a:pPr>
-            <a:r>
-              <a:rPr lang="en-US" altLang="zh-CN" dirty="0"/>
-              <a:t>	</a:t>
-            </a:r>
-            <a:r>
-              <a:rPr lang="en-US" altLang="zh-CN" dirty="0" err="1"/>
-              <a:t>ITimeoutBehavior</a:t>
-            </a:r>
-            <a:r>
-              <a:rPr lang="en-US" altLang="zh-CN" dirty="0"/>
-              <a:t> =&gt; </a:t>
-            </a:r>
-            <a:r>
-              <a:rPr lang="en-US" altLang="zh-CN" dirty="0" err="1"/>
-              <a:t>TimeoutBehavior</a:t>
-            </a:r>
-            <a:endParaRPr lang="zh-CN" altLang="zh-CN" dirty="0"/>
-          </a:p>
-          <a:p>
-            <a:pPr marL="0" indent="0">
-              <a:buNone/>
-            </a:pPr>
-            <a:r>
-              <a:rPr lang="en-US" altLang="zh-CN" dirty="0" smtClean="0"/>
-              <a:t>	</a:t>
-            </a:r>
-            <a:r>
-              <a:rPr lang="en-US" altLang="zh-CN" dirty="0" err="1"/>
-              <a:t>ILastErrBehavior</a:t>
-            </a:r>
-            <a:r>
-              <a:rPr lang="en-US" altLang="zh-CN" dirty="0"/>
-              <a:t> =&gt; </a:t>
-            </a:r>
-            <a:r>
-              <a:rPr lang="en-US" altLang="zh-CN" dirty="0" err="1" smtClean="0"/>
-              <a:t>LastErrBehavior</a:t>
-            </a:r>
-            <a:endParaRPr lang="zh-CN" altLang="zh-CN" dirty="0"/>
+            <a:endParaRPr lang="zh-CN" altLang="en-US" dirty="0"/>
           </a:p>
         </p:txBody>
       </p:sp>
     </p:spTree>
     <p:extLst>
       <p:ext uri="{BB962C8B-B14F-4D97-AF65-F5344CB8AC3E}">
-        <p14:creationId xmlns:p14="http://schemas.microsoft.com/office/powerpoint/2010/main" val="1558315592"/>
+        <p14:creationId xmlns:p14="http://schemas.microsoft.com/office/powerpoint/2010/main" val="4064704499"/>
       </p:ext>
     </p:extLst>
   </p:cSld>
@@ -10479,7 +11251,7 @@
           <a:p>
             <a:r>
               <a:rPr lang="zh-CN" altLang="en-US" dirty="0" smtClean="0"/>
-              <a:t>命名</a:t>
+              <a:t>基本模式</a:t>
             </a:r>
             <a:r>
               <a:rPr lang="en-US" altLang="zh-CN" dirty="0" smtClean="0"/>
@@ -10499,29 +11271,14 @@
             <p:ph idx="1"/>
           </p:nvPr>
         </p:nvSpPr>
-        <p:spPr>
-          <a:xfrm>
-            <a:off x="677334" y="1454331"/>
-            <a:ext cx="8596668" cy="4743785"/>
-          </a:xfrm>
-        </p:spPr>
-        <p:txBody>
-          <a:bodyPr>
-            <a:normAutofit fontScale="92500" lnSpcReduction="20000"/>
-          </a:bodyPr>
+        <p:spPr/>
+        <p:txBody>
+          <a:bodyPr/>
           <a:lstStyle/>
           <a:p>
             <a:r>
-              <a:rPr lang="zh-CN" altLang="zh-CN" dirty="0"/>
-              <a:t>所有基本的底层设备类都以</a:t>
-            </a:r>
-            <a:r>
-              <a:rPr lang="en-US" altLang="zh-CN" dirty="0"/>
-              <a:t>: Device </a:t>
-            </a:r>
-            <a:r>
-              <a:rPr lang="zh-CN" altLang="zh-CN" dirty="0" smtClean="0"/>
-              <a:t>结尾</a:t>
+              <a:rPr lang="zh-CN" altLang="en-US" dirty="0" smtClean="0"/>
+              <a:t>接口简洁</a:t>
             </a:r>
             <a:endParaRPr lang="en-US" altLang="zh-CN" dirty="0" smtClean="0"/>
           </a:p>
@@ -10534,63 +11291,47 @@
               <a:t>	</a:t>
             </a:r>
             <a:r>
-              <a:rPr lang="en-US" altLang="zh-CN" dirty="0" err="1"/>
-              <a:t>CCID_Device</a:t>
-            </a:r>
-            <a:r>
-              <a:rPr lang="en-US" altLang="zh-CN" dirty="0"/>
-              <a:t>, </a:t>
-            </a:r>
-            <a:r>
-              <a:rPr lang="en-US" altLang="zh-CN" dirty="0" err="1"/>
-              <a:t>ComDevice</a:t>
-            </a:r>
-            <a:r>
-              <a:rPr lang="en-US" altLang="zh-CN" dirty="0"/>
-              <a:t>, </a:t>
-            </a:r>
-            <a:r>
-              <a:rPr lang="en-US" altLang="zh-CN" dirty="0" err="1"/>
-              <a:t>FileDevice,BluetoothDevice</a:t>
-            </a:r>
-            <a:endParaRPr lang="zh-CN" altLang="zh-CN" dirty="0"/>
-          </a:p>
-          <a:p>
-            <a:r>
-              <a:rPr lang="zh-CN" altLang="zh-CN" dirty="0"/>
-              <a:t>所有设备层适配器</a:t>
-            </a:r>
-            <a:r>
-              <a:rPr lang="en-US" altLang="zh-CN" dirty="0"/>
-              <a:t>(</a:t>
-            </a:r>
-            <a:r>
-              <a:rPr lang="zh-CN" altLang="zh-CN" dirty="0"/>
-              <a:t>适配后对外仍然是一个设备</a:t>
-            </a:r>
-            <a:r>
-              <a:rPr lang="en-US" altLang="zh-CN" dirty="0"/>
-              <a:t>)</a:t>
-            </a:r>
-            <a:r>
-              <a:rPr lang="zh-CN" altLang="zh-CN" dirty="0"/>
-              <a:t>都以</a:t>
-            </a:r>
-            <a:r>
-              <a:rPr lang="en-US" altLang="zh-CN" dirty="0"/>
-              <a:t>: </a:t>
-            </a:r>
-            <a:r>
-              <a:rPr lang="en-US" altLang="zh-CN" dirty="0" err="1"/>
-              <a:t>DevAdapter</a:t>
-            </a:r>
-            <a:r>
-              <a:rPr lang="en-US" altLang="zh-CN" dirty="0"/>
-              <a:t> </a:t>
-            </a:r>
-            <a:r>
-              <a:rPr lang="zh-CN" altLang="zh-CN" dirty="0" smtClean="0"/>
-              <a:t>结尾</a:t>
+              <a:rPr lang="zh-CN" altLang="en-US" dirty="0" smtClean="0"/>
+              <a:t>给类增加一个接口非常容易</a:t>
+            </a:r>
+            <a:r>
+              <a:rPr lang="en-US" altLang="zh-CN" dirty="0" smtClean="0"/>
+              <a:t>,</a:t>
+            </a:r>
+            <a:r>
+              <a:rPr lang="zh-CN" altLang="en-US" dirty="0" smtClean="0"/>
+              <a:t>但是删除一个接口却很难</a:t>
+            </a:r>
+            <a:r>
+              <a:rPr lang="en-US" altLang="zh-CN" dirty="0" smtClean="0"/>
+              <a:t>;</a:t>
+            </a:r>
+            <a:r>
+              <a:rPr lang="zh-CN" altLang="en-US" dirty="0" smtClean="0"/>
+              <a:t>尽量保证类的接口少</a:t>
+            </a:r>
+            <a:r>
+              <a:rPr lang="en-US" altLang="zh-CN" dirty="0" smtClean="0"/>
+              <a:t>,</a:t>
+            </a:r>
+            <a:r>
+              <a:rPr lang="zh-CN" altLang="en-US" dirty="0" smtClean="0"/>
+              <a:t>并且功能专一</a:t>
+            </a:r>
+            <a:r>
+              <a:rPr lang="en-US" altLang="zh-CN" dirty="0" smtClean="0"/>
+              <a:t>,</a:t>
+            </a:r>
+            <a:r>
+              <a:rPr lang="zh-CN" altLang="en-US" dirty="0" smtClean="0"/>
+              <a:t>应用层可以使用辅助函数的方式来扩展功能和提高易用性</a:t>
+            </a:r>
+            <a:endParaRPr lang="en-US" altLang="zh-CN" dirty="0" smtClean="0"/>
+          </a:p>
+          <a:p>
+            <a:r>
+              <a:rPr lang="zh-CN" altLang="en-US" dirty="0" smtClean="0"/>
+              <a:t>适配器</a:t>
             </a:r>
             <a:endParaRPr lang="en-US" altLang="zh-CN" dirty="0" smtClean="0"/>
           </a:p>
@@ -10603,45 +11344,13 @@
               <a:t>	</a:t>
             </a:r>
             <a:r>
-              <a:rPr lang="en-US" altLang="zh-CN" dirty="0" err="1"/>
-              <a:t>MagneticDevAdapter</a:t>
-            </a:r>
-            <a:r>
-              <a:rPr lang="en-US" altLang="zh-CN" dirty="0"/>
-              <a:t>, </a:t>
-            </a:r>
-            <a:r>
-              <a:rPr lang="en-US" altLang="zh-CN" dirty="0" err="1" smtClean="0"/>
-              <a:t>SdtApiDevAdapter</a:t>
-            </a:r>
-            <a:r>
-              <a:rPr lang="en-US" altLang="zh-CN" dirty="0" smtClean="0"/>
-              <a:t>, 	</a:t>
-            </a:r>
-            <a:r>
-              <a:rPr lang="en-US" altLang="zh-CN" dirty="0" err="1" smtClean="0"/>
-              <a:t>CCID_ContactStorageCardDevAdapter</a:t>
-            </a:r>
-            <a:endParaRPr lang="zh-CN" altLang="zh-CN" dirty="0"/>
-          </a:p>
-          <a:p>
-            <a:r>
-              <a:rPr lang="zh-CN" altLang="zh-CN" dirty="0"/>
-              <a:t>所有应用层适配都以</a:t>
-            </a:r>
-            <a:r>
-              <a:rPr lang="en-US" altLang="zh-CN" dirty="0"/>
-              <a:t>: </a:t>
-            </a:r>
-            <a:r>
-              <a:rPr lang="en-US" altLang="zh-CN" dirty="0" err="1"/>
-              <a:t>AppAdapter</a:t>
-            </a:r>
-            <a:r>
-              <a:rPr lang="zh-CN" altLang="zh-CN" dirty="0" smtClean="0"/>
-              <a:t>结尾</a:t>
-            </a:r>
-            <a:endParaRPr lang="en-US" altLang="zh-CN" dirty="0" smtClean="0"/>
+              <a:rPr lang="zh-CN" altLang="en-US" dirty="0" smtClean="0"/>
+              <a:t>使用适配器进行</a:t>
+            </a:r>
+            <a:r>
+              <a:rPr lang="en-US" altLang="zh-CN" dirty="0" smtClean="0"/>
+              <a:t>:</a:t>
+            </a:r>
           </a:p>
           <a:p>
             <a:pPr marL="0" indent="0">
@@ -10652,40 +11361,14 @@
               <a:t>	</a:t>
             </a:r>
             <a:r>
-              <a:rPr lang="zh-CN" altLang="zh-CN" dirty="0"/>
-              <a:t> </a:t>
-            </a:r>
-            <a:r>
-              <a:rPr lang="en-US" altLang="zh-CN" dirty="0" err="1"/>
-              <a:t>ICCardAppAdapter</a:t>
-            </a:r>
-            <a:r>
-              <a:rPr lang="en-US" altLang="zh-CN" dirty="0"/>
-              <a:t>, </a:t>
-            </a:r>
-            <a:r>
-              <a:rPr lang="en-US" altLang="zh-CN" dirty="0" smtClean="0"/>
-              <a:t>PBOC_v2_0_AppAdapter</a:t>
-            </a:r>
-            <a:endParaRPr lang="zh-CN" altLang="zh-CN" dirty="0"/>
-          </a:p>
-          <a:p>
-            <a:r>
-              <a:rPr lang="zh-CN" altLang="zh-CN" dirty="0"/>
-              <a:t>所有对原有类进行扩展的类都以</a:t>
-            </a:r>
-            <a:r>
-              <a:rPr lang="en-US" altLang="zh-CN" dirty="0"/>
-              <a:t>: </a:t>
-            </a:r>
-            <a:r>
-              <a:rPr lang="en-US" altLang="zh-CN" dirty="0" err="1"/>
-              <a:t>Appender</a:t>
-            </a:r>
-            <a:r>
-              <a:rPr lang="zh-CN" altLang="zh-CN" dirty="0"/>
-              <a:t>结尾</a:t>
-            </a:r>
+              <a:rPr lang="en-US" altLang="zh-CN" dirty="0" smtClean="0"/>
+              <a:t>1.</a:t>
+            </a:r>
+            <a:r>
+              <a:rPr lang="zh-CN" altLang="en-US" dirty="0" smtClean="0"/>
+              <a:t>协议转换</a:t>
+            </a:r>
+            <a:endParaRPr lang="en-US" altLang="zh-CN" dirty="0"/>
           </a:p>
           <a:p>
             <a:pPr marL="0" indent="0">
@@ -10693,196 +11376,36 @@
             </a:pPr>
             <a:r>
               <a:rPr lang="en-US" altLang="zh-CN" dirty="0" smtClean="0"/>
-              <a:t>	</a:t>
-            </a:r>
-            <a:r>
-              <a:rPr lang="en-US" altLang="zh-CN" dirty="0" err="1" smtClean="0"/>
-              <a:t>ComHandlerAppender</a:t>
-            </a:r>
-            <a:r>
-              <a:rPr lang="en-US" altLang="zh-CN" dirty="0"/>
-              <a:t>, </a:t>
-            </a:r>
-            <a:r>
-              <a:rPr lang="en-US" altLang="zh-CN" dirty="0" err="1" smtClean="0"/>
-              <a:t>HidHandlerAppender</a:t>
-            </a:r>
-            <a:endParaRPr lang="en-US" altLang="zh-CN" dirty="0" smtClean="0"/>
-          </a:p>
-          <a:p>
-            <a:r>
-              <a:rPr lang="zh-CN" altLang="zh-CN" dirty="0"/>
-              <a:t>所有指令协议封装的适配器都以</a:t>
-            </a:r>
-            <a:r>
-              <a:rPr lang="en-US" altLang="zh-CN" dirty="0"/>
-              <a:t>: </a:t>
-            </a:r>
-            <a:r>
-              <a:rPr lang="en-US" altLang="zh-CN" dirty="0" err="1"/>
-              <a:t>CmdAdapter</a:t>
-            </a:r>
-            <a:r>
-              <a:rPr lang="zh-CN" altLang="zh-CN" dirty="0"/>
-              <a:t>结尾</a:t>
-            </a:r>
-            <a:endParaRPr lang="en-US" altLang="zh-CN" dirty="0"/>
-          </a:p>
-          <a:p>
-            <a:pPr marL="0" indent="0">
-              <a:buNone/>
-            </a:pPr>
+              <a:t>	2.</a:t>
+            </a:r>
+            <a:r>
+              <a:rPr lang="zh-CN" altLang="en-US" dirty="0" smtClean="0"/>
+              <a:t>数据转换</a:t>
+            </a:r>
+            <a:r>
+              <a:rPr lang="en-US" altLang="zh-CN" dirty="0" smtClean="0"/>
+              <a:t>(</a:t>
+            </a:r>
+            <a:r>
+              <a:rPr lang="zh-CN" altLang="en-US" dirty="0" smtClean="0"/>
+              <a:t>指令格式</a:t>
+            </a:r>
+            <a:r>
+              <a:rPr lang="en-US" altLang="zh-CN" dirty="0" smtClean="0"/>
+              <a:t>)</a:t>
+            </a:r>
             <a:r>
               <a:rPr lang="en-US" altLang="zh-CN" dirty="0"/>
               <a:t>	</a:t>
             </a:r>
-            <a:r>
-              <a:rPr lang="en-US" altLang="zh-CN" dirty="0" err="1"/>
-              <a:t>ComICCardCmdAdapter</a:t>
-            </a:r>
-            <a:r>
-              <a:rPr lang="en-US" altLang="zh-CN" dirty="0"/>
-              <a:t>, </a:t>
-            </a:r>
-            <a:r>
-              <a:rPr lang="en-US" altLang="zh-CN" dirty="0" err="1"/>
-              <a:t>HidCmdAdapter</a:t>
-            </a:r>
-            <a:r>
-              <a:rPr lang="en-US" altLang="zh-CN" dirty="0"/>
-              <a:t>, </a:t>
-            </a:r>
-            <a:r>
-              <a:rPr lang="en-US" altLang="zh-CN" dirty="0" err="1"/>
-              <a:t>PinDevCmdAdapter</a:t>
-            </a:r>
-            <a:endParaRPr lang="en-US" altLang="zh-CN" dirty="0"/>
-          </a:p>
-          <a:p>
-            <a:r>
-              <a:rPr lang="zh-CN" altLang="zh-CN" dirty="0"/>
-              <a:t>所有操作辅助类</a:t>
-            </a:r>
-            <a:r>
-              <a:rPr lang="en-US" altLang="zh-CN" dirty="0"/>
-              <a:t>(</a:t>
-            </a:r>
-            <a:r>
-              <a:rPr lang="zh-CN" altLang="zh-CN" dirty="0"/>
-              <a:t>调用原有类的方法进行封装</a:t>
-            </a:r>
-            <a:r>
-              <a:rPr lang="en-US" altLang="zh-CN" dirty="0"/>
-              <a:t>)</a:t>
-            </a:r>
-            <a:r>
-              <a:rPr lang="zh-CN" altLang="zh-CN" dirty="0"/>
-              <a:t>都为静态类</a:t>
-            </a:r>
-            <a:r>
-              <a:rPr lang="en-US" altLang="zh-CN" dirty="0"/>
-              <a:t>,</a:t>
-            </a:r>
-            <a:r>
-              <a:rPr lang="zh-CN" altLang="zh-CN" dirty="0"/>
-              <a:t>都以</a:t>
-            </a:r>
-            <a:r>
-              <a:rPr lang="en-US" altLang="zh-CN" dirty="0"/>
-              <a:t>: Helper</a:t>
-            </a:r>
-            <a:r>
-              <a:rPr lang="zh-CN" altLang="zh-CN" dirty="0" smtClean="0"/>
-              <a:t>结尾</a:t>
-            </a:r>
             <a:endParaRPr lang="en-US" altLang="zh-CN" dirty="0" smtClean="0"/>
-          </a:p>
-          <a:p>
-            <a:pPr marL="0" indent="0">
-              <a:buNone/>
-            </a:pPr>
-            <a:r>
-              <a:rPr lang="en-US" altLang="zh-CN" dirty="0"/>
-              <a:t>	</a:t>
-            </a:r>
-            <a:r>
-              <a:rPr lang="zh-CN" altLang="zh-CN" dirty="0"/>
-              <a:t> </a:t>
-            </a:r>
-            <a:r>
-              <a:rPr lang="en-US" altLang="zh-CN" dirty="0" err="1" smtClean="0"/>
-              <a:t>DevHelper</a:t>
-            </a:r>
-            <a:r>
-              <a:rPr lang="en-US" altLang="zh-CN" dirty="0" smtClean="0"/>
-              <a:t>, </a:t>
-            </a:r>
-            <a:r>
-              <a:rPr lang="en-US" altLang="zh-CN" dirty="0" err="1"/>
-              <a:t>WinHelper</a:t>
-            </a:r>
-            <a:r>
-              <a:rPr lang="en-US" altLang="zh-CN" dirty="0"/>
-              <a:t>, </a:t>
-            </a:r>
-            <a:r>
-              <a:rPr lang="en-US" altLang="zh-CN" dirty="0" err="1" smtClean="0"/>
-              <a:t>WinTestHelper,WmiHelper</a:t>
-            </a:r>
-            <a:endParaRPr lang="zh-CN" altLang="zh-CN" dirty="0"/>
-          </a:p>
-          <a:p>
-            <a:r>
-              <a:rPr lang="zh-CN" altLang="zh-CN" dirty="0"/>
-              <a:t>所有数据加解密类都以</a:t>
-            </a:r>
-            <a:r>
-              <a:rPr lang="en-US" altLang="zh-CN" dirty="0"/>
-              <a:t>: Provider</a:t>
-            </a:r>
-            <a:r>
-              <a:rPr lang="zh-CN" altLang="zh-CN" dirty="0"/>
-              <a:t>结尾</a:t>
-            </a:r>
-          </a:p>
-          <a:p>
-            <a:pPr marL="0" indent="0">
-              <a:buNone/>
-            </a:pPr>
-            <a:r>
-              <a:rPr lang="en-US" altLang="zh-CN" dirty="0" smtClean="0"/>
-              <a:t>	</a:t>
-            </a:r>
-            <a:r>
-              <a:rPr lang="en-US" altLang="zh-CN" dirty="0"/>
-              <a:t>MD5_Provider, </a:t>
-            </a:r>
-            <a:r>
-              <a:rPr lang="en-US" altLang="zh-CN" dirty="0" err="1"/>
-              <a:t>DES_Provider</a:t>
-            </a:r>
-            <a:r>
-              <a:rPr lang="en-US" altLang="zh-CN" dirty="0"/>
-              <a:t>, </a:t>
-            </a:r>
-            <a:r>
-              <a:rPr lang="en-US" altLang="zh-CN" dirty="0" err="1"/>
-              <a:t>PBOC_Provider</a:t>
-            </a:r>
-            <a:endParaRPr lang="en-US" altLang="zh-CN" dirty="0" smtClean="0"/>
-          </a:p>
-          <a:p>
-            <a:pPr marL="0" indent="0">
-              <a:buNone/>
-            </a:pPr>
-            <a:endParaRPr lang="zh-CN" altLang="en-US" dirty="0"/>
           </a:p>
         </p:txBody>
       </p:sp>
     </p:spTree>
     <p:extLst>
       <p:ext uri="{BB962C8B-B14F-4D97-AF65-F5344CB8AC3E}">
-        <p14:creationId xmlns:p14="http://schemas.microsoft.com/office/powerpoint/2010/main" val="2953706118"/>
+        <p14:creationId xmlns:p14="http://schemas.microsoft.com/office/powerpoint/2010/main" val="3996645733"/>
       </p:ext>
     </p:extLst>
   </p:cSld>
